--- a/workshop/RPharma_2022_Hall_v2.pptx
+++ b/workshop/RPharma_2022_Hall_v2.pptx
@@ -31,12 +31,13 @@
     <p:sldId id="458" r:id="rId25"/>
     <p:sldId id="453" r:id="rId26"/>
     <p:sldId id="454" r:id="rId27"/>
-    <p:sldId id="457" r:id="rId28"/>
-    <p:sldId id="459" r:id="rId29"/>
-    <p:sldId id="460" r:id="rId30"/>
-    <p:sldId id="463" r:id="rId31"/>
-    <p:sldId id="442" r:id="rId32"/>
-    <p:sldId id="451" r:id="rId33"/>
+    <p:sldId id="465" r:id="rId28"/>
+    <p:sldId id="457" r:id="rId29"/>
+    <p:sldId id="459" r:id="rId30"/>
+    <p:sldId id="460" r:id="rId31"/>
+    <p:sldId id="463" r:id="rId32"/>
+    <p:sldId id="442" r:id="rId33"/>
+    <p:sldId id="451" r:id="rId34"/>
   </p:sldIdLst>
   <p:sldSz cx="12192000" cy="6858000"/>
   <p:notesSz cx="6858000" cy="9144000"/>
@@ -135,6 +136,11 @@
       </a:defRPr>
     </a:lvl9pPr>
   </p:defaultTextStyle>
+  <p:extLst>
+    <p:ext uri="{EFAFB233-063F-42B5-8137-9DF3F51BA10A}">
+      <p15:sldGuideLst xmlns:p15="http://schemas.microsoft.com/office/powerpoint/2012/main"/>
+    </p:ext>
+  </p:extLst>
 </p:presentation>
 </file>
 
@@ -5903,7 +5909,7 @@
 <dgm:dataModel xmlns:dgm="http://schemas.openxmlformats.org/drawingml/2006/diagram" xmlns:a="http://schemas.openxmlformats.org/drawingml/2006/main">
   <dgm:ptLst>
     <dgm:pt modelId="{9ED241C8-5CC6-49F0-9F98-62F054CD1ECF}" type="doc">
-      <dgm:prSet loTypeId="urn:microsoft.com/office/officeart/2008/layout/LinedList" loCatId="list" qsTypeId="urn:microsoft.com/office/officeart/2005/8/quickstyle/simple1" qsCatId="simple" csTypeId="urn:microsoft.com/office/officeart/2005/8/colors/colorful2" csCatId="colorful"/>
+      <dgm:prSet loTypeId="urn:microsoft.com/office/officeart/2008/layout/LinedList" loCatId="list" qsTypeId="urn:microsoft.com/office/officeart/2005/8/quickstyle/simple1" qsCatId="simple" csTypeId="urn:microsoft.com/office/officeart/2005/8/colors/colorful2" csCatId="colorful" phldr="1"/>
       <dgm:spPr/>
       <dgm:t>
         <a:bodyPr/>
@@ -5921,8 +5927,8 @@
         <a:lstStyle/>
         <a:p>
           <a:r>
-            <a:rPr lang="en-US"/>
-            <a:t>Be able to set up a proper JavaScript toolchain that is well-integrated with your R toolchain</a:t>
+            <a:rPr lang="en-US" dirty="0"/>
+            <a:t>1. Be able to set up a proper JavaScript toolchain that is well-integrated with your R toolchain</a:t>
           </a:r>
         </a:p>
       </dgm:t>
@@ -5957,8 +5963,8 @@
         <a:lstStyle/>
         <a:p>
           <a:r>
-            <a:rPr lang="en-US"/>
-            <a:t>Learn how to develop JavaScript inputs and outputs with this toolchain</a:t>
+            <a:rPr lang="en-US" dirty="0"/>
+            <a:t>2. Learn how to develop JavaScript inputs and outputs with this toolchain</a:t>
           </a:r>
         </a:p>
       </dgm:t>
@@ -5993,8 +5999,8 @@
         <a:lstStyle/>
         <a:p>
           <a:r>
-            <a:rPr lang="en-US"/>
-            <a:t>Providing example code and jumping-off points for your continued professional development</a:t>
+            <a:rPr lang="en-US" dirty="0"/>
+            <a:t>3. Provide example code and jumping-off points for your continued professional development</a:t>
           </a:r>
         </a:p>
       </dgm:t>
@@ -7804,8 +7810,8 @@
             <a:buNone/>
           </a:pPr>
           <a:r>
-            <a:rPr lang="en-US" sz="3300" kern="1200"/>
-            <a:t>Be able to set up a proper JavaScript toolchain that is well-integrated with your R toolchain</a:t>
+            <a:rPr lang="en-US" sz="3300" kern="1200" dirty="0"/>
+            <a:t>1. Be able to set up a proper JavaScript toolchain that is well-integrated with your R toolchain</a:t>
           </a:r>
         </a:p>
       </dsp:txBody>
@@ -7914,8 +7920,8 @@
             <a:buNone/>
           </a:pPr>
           <a:r>
-            <a:rPr lang="en-US" sz="3300" kern="1200"/>
-            <a:t>Learn how to develop JavaScript inputs and outputs with this toolchain</a:t>
+            <a:rPr lang="en-US" sz="3300" kern="1200" dirty="0"/>
+            <a:t>2. Learn how to develop JavaScript inputs and outputs with this toolchain</a:t>
           </a:r>
         </a:p>
       </dsp:txBody>
@@ -8024,8 +8030,8 @@
             <a:buNone/>
           </a:pPr>
           <a:r>
-            <a:rPr lang="en-US" sz="3300" kern="1200"/>
-            <a:t>Providing example code and jumping-off points for your continued professional development</a:t>
+            <a:rPr lang="en-US" sz="3300" kern="1200" dirty="0"/>
+            <a:t>3. Provide example code and jumping-off points for your continued professional development</a:t>
           </a:r>
         </a:p>
       </dsp:txBody>
@@ -24952,8 +24958,8 @@
         </p:nvSpPr>
         <p:spPr>
           <a:xfrm>
-            <a:off x="838200" y="365125"/>
-            <a:ext cx="10515600" cy="651475"/>
+            <a:off x="838200" y="150438"/>
+            <a:ext cx="10515600" cy="567316"/>
           </a:xfrm>
         </p:spPr>
         <p:txBody>
@@ -25013,7 +25019,7 @@
         </p:nvSpPr>
         <p:spPr>
           <a:xfrm>
-            <a:off x="1331477" y="1238359"/>
+            <a:off x="1331477" y="2116986"/>
             <a:ext cx="2240165" cy="461665"/>
           </a:xfrm>
           <a:prstGeom prst="rect">
@@ -25048,7 +25054,7 @@
         </p:nvSpPr>
         <p:spPr>
           <a:xfrm>
-            <a:off x="719404" y="1910433"/>
+            <a:off x="719404" y="2649911"/>
             <a:ext cx="3110275" cy="379656"/>
           </a:xfrm>
           <a:prstGeom prst="rect">
@@ -25091,7 +25097,7 @@
         </p:nvSpPr>
         <p:spPr>
           <a:xfrm>
-            <a:off x="8053122" y="1541101"/>
+            <a:off x="8053122" y="2328287"/>
             <a:ext cx="2081019" cy="954300"/>
           </a:xfrm>
           <a:prstGeom prst="rect">
@@ -25158,7 +25164,7 @@
         </p:nvSpPr>
         <p:spPr>
           <a:xfrm>
-            <a:off x="5682116" y="1910434"/>
+            <a:off x="5007396" y="2661691"/>
             <a:ext cx="1572866" cy="461665"/>
           </a:xfrm>
           <a:prstGeom prst="rect">
@@ -25197,7 +25203,7 @@
         </p:nvSpPr>
         <p:spPr>
           <a:xfrm>
-            <a:off x="1139455" y="2936558"/>
+            <a:off x="1139455" y="3473276"/>
             <a:ext cx="3316036" cy="461665"/>
           </a:xfrm>
           <a:prstGeom prst="rect">
@@ -25232,7 +25238,7 @@
         </p:nvSpPr>
         <p:spPr>
           <a:xfrm>
-            <a:off x="716353" y="3445447"/>
+            <a:off x="716353" y="3982165"/>
             <a:ext cx="5244449" cy="2678234"/>
           </a:xfrm>
           <a:prstGeom prst="rect">
@@ -25387,7 +25393,7 @@
         </p:nvSpPr>
         <p:spPr>
           <a:xfrm>
-            <a:off x="7440149" y="3909053"/>
+            <a:off x="7440149" y="4445771"/>
             <a:ext cx="2813078" cy="1569660"/>
           </a:xfrm>
           <a:prstGeom prst="rect">
@@ -25466,6 +25472,258 @@
                 </a:solidFill>
               </a:rPr>
               <a:t>Etc.</a:t>
+            </a:r>
+          </a:p>
+        </p:txBody>
+      </p:sp>
+      <p:cxnSp>
+        <p:nvCxnSpPr>
+          <p:cNvPr id="12" name="Straight Connector 11">
+            <a:extLst>
+              <a:ext uri="{FF2B5EF4-FFF2-40B4-BE49-F238E27FC236}">
+                <a16:creationId xmlns:a16="http://schemas.microsoft.com/office/drawing/2014/main" id="{B1A0F272-5E2B-48CF-B9F6-58EBDACB7836}"/>
+              </a:ext>
+            </a:extLst>
+          </p:cNvPr>
+          <p:cNvCxnSpPr/>
+          <p:nvPr/>
+        </p:nvCxnSpPr>
+        <p:spPr>
+          <a:xfrm>
+            <a:off x="421419" y="3399191"/>
+            <a:ext cx="11382292" cy="0"/>
+          </a:xfrm>
+          <a:prstGeom prst="line">
+            <a:avLst/>
+          </a:prstGeom>
+        </p:spPr>
+        <p:style>
+          <a:lnRef idx="1">
+            <a:schemeClr val="accent1"/>
+          </a:lnRef>
+          <a:fillRef idx="0">
+            <a:schemeClr val="accent1"/>
+          </a:fillRef>
+          <a:effectRef idx="0">
+            <a:schemeClr val="accent1"/>
+          </a:effectRef>
+          <a:fontRef idx="minor">
+            <a:schemeClr val="tx1"/>
+          </a:fontRef>
+        </p:style>
+      </p:cxnSp>
+      <p:sp>
+        <p:nvSpPr>
+          <p:cNvPr id="13" name="TextBox 12">
+            <a:extLst>
+              <a:ext uri="{FF2B5EF4-FFF2-40B4-BE49-F238E27FC236}">
+                <a16:creationId xmlns:a16="http://schemas.microsoft.com/office/drawing/2014/main" id="{C35962FC-7956-4C3D-9FBA-16BE210BB33B}"/>
+              </a:ext>
+            </a:extLst>
+          </p:cNvPr>
+          <p:cNvSpPr txBox="1"/>
+          <p:nvPr/>
+        </p:nvSpPr>
+        <p:spPr>
+          <a:xfrm>
+            <a:off x="1192507" y="778379"/>
+            <a:ext cx="2745303" cy="461665"/>
+          </a:xfrm>
+          <a:prstGeom prst="rect">
+            <a:avLst/>
+          </a:prstGeom>
+          <a:noFill/>
+        </p:spPr>
+        <p:txBody>
+          <a:bodyPr wrap="none" rtlCol="0">
+            <a:spAutoFit/>
+          </a:bodyPr>
+          <a:lstStyle/>
+          <a:p>
+            <a:r>
+              <a:rPr lang="en-US" sz="2400" b="1" u="sng" dirty="0"/>
+              <a:t>Variable declaration</a:t>
+            </a:r>
+          </a:p>
+        </p:txBody>
+      </p:sp>
+      <p:cxnSp>
+        <p:nvCxnSpPr>
+          <p:cNvPr id="14" name="Straight Connector 13">
+            <a:extLst>
+              <a:ext uri="{FF2B5EF4-FFF2-40B4-BE49-F238E27FC236}">
+                <a16:creationId xmlns:a16="http://schemas.microsoft.com/office/drawing/2014/main" id="{F579F6A5-88FC-40BB-BC8A-27699AE9DBBC}"/>
+              </a:ext>
+            </a:extLst>
+          </p:cNvPr>
+          <p:cNvCxnSpPr/>
+          <p:nvPr/>
+        </p:nvCxnSpPr>
+        <p:spPr>
+          <a:xfrm>
+            <a:off x="421419" y="2016989"/>
+            <a:ext cx="11382292" cy="0"/>
+          </a:xfrm>
+          <a:prstGeom prst="line">
+            <a:avLst/>
+          </a:prstGeom>
+        </p:spPr>
+        <p:style>
+          <a:lnRef idx="1">
+            <a:schemeClr val="accent1"/>
+          </a:lnRef>
+          <a:fillRef idx="0">
+            <a:schemeClr val="accent1"/>
+          </a:fillRef>
+          <a:effectRef idx="0">
+            <a:schemeClr val="accent1"/>
+          </a:effectRef>
+          <a:fontRef idx="minor">
+            <a:schemeClr val="tx1"/>
+          </a:fontRef>
+        </p:style>
+      </p:cxnSp>
+      <p:sp>
+        <p:nvSpPr>
+          <p:cNvPr id="15" name="TextBox 14">
+            <a:extLst>
+              <a:ext uri="{FF2B5EF4-FFF2-40B4-BE49-F238E27FC236}">
+                <a16:creationId xmlns:a16="http://schemas.microsoft.com/office/drawing/2014/main" id="{66A2F449-29D8-442E-9D7C-89CDE41A04D2}"/>
+              </a:ext>
+            </a:extLst>
+          </p:cNvPr>
+          <p:cNvSpPr txBox="1"/>
+          <p:nvPr/>
+        </p:nvSpPr>
+        <p:spPr>
+          <a:xfrm>
+            <a:off x="1576257" y="1239600"/>
+            <a:ext cx="1268424" cy="666977"/>
+          </a:xfrm>
+          <a:prstGeom prst="rect">
+            <a:avLst/>
+          </a:prstGeom>
+          <a:noFill/>
+          <a:ln>
+            <a:solidFill>
+              <a:schemeClr val="tx1">
+                <a:lumMod val="65000"/>
+                <a:lumOff val="35000"/>
+              </a:schemeClr>
+            </a:solidFill>
+          </a:ln>
+        </p:spPr>
+        <p:txBody>
+          <a:bodyPr wrap="none" rtlCol="0">
+            <a:spAutoFit/>
+          </a:bodyPr>
+          <a:lstStyle/>
+          <a:p>
+            <a:r>
+              <a:rPr lang="en-US" sz="1867" dirty="0"/>
+              <a:t>const x = 3</a:t>
+            </a:r>
+          </a:p>
+          <a:p>
+            <a:r>
+              <a:rPr lang="en-US" sz="1867" dirty="0"/>
+              <a:t>let y = ‘foo’</a:t>
+            </a:r>
+          </a:p>
+        </p:txBody>
+      </p:sp>
+      <p:sp>
+        <p:nvSpPr>
+          <p:cNvPr id="16" name="TextBox 15">
+            <a:extLst>
+              <a:ext uri="{FF2B5EF4-FFF2-40B4-BE49-F238E27FC236}">
+                <a16:creationId xmlns:a16="http://schemas.microsoft.com/office/drawing/2014/main" id="{91F10379-27EC-4CF6-8B1B-B4DC0934F9B4}"/>
+              </a:ext>
+            </a:extLst>
+          </p:cNvPr>
+          <p:cNvSpPr txBox="1"/>
+          <p:nvPr/>
+        </p:nvSpPr>
+        <p:spPr>
+          <a:xfrm>
+            <a:off x="4877525" y="1419444"/>
+            <a:ext cx="1941878" cy="461665"/>
+          </a:xfrm>
+          <a:prstGeom prst="rect">
+            <a:avLst/>
+          </a:prstGeom>
+          <a:noFill/>
+        </p:spPr>
+        <p:txBody>
+          <a:bodyPr wrap="none" rtlCol="0">
+            <a:spAutoFit/>
+          </a:bodyPr>
+          <a:lstStyle/>
+          <a:p>
+            <a:r>
+              <a:rPr lang="en-US" sz="2400" dirty="0">
+                <a:solidFill>
+                  <a:srgbClr val="FF0000"/>
+                </a:solidFill>
+              </a:rPr>
+              <a:t>Don’t use var!</a:t>
+            </a:r>
+          </a:p>
+        </p:txBody>
+      </p:sp>
+      <p:sp>
+        <p:nvSpPr>
+          <p:cNvPr id="17" name="TextBox 16">
+            <a:extLst>
+              <a:ext uri="{FF2B5EF4-FFF2-40B4-BE49-F238E27FC236}">
+                <a16:creationId xmlns:a16="http://schemas.microsoft.com/office/drawing/2014/main" id="{60885547-A72F-4372-B80C-B5FB919792E5}"/>
+              </a:ext>
+            </a:extLst>
+          </p:cNvPr>
+          <p:cNvSpPr txBox="1"/>
+          <p:nvPr/>
+        </p:nvSpPr>
+        <p:spPr>
+          <a:xfrm>
+            <a:off x="8336718" y="1233408"/>
+            <a:ext cx="1312667" cy="666977"/>
+          </a:xfrm>
+          <a:prstGeom prst="rect">
+            <a:avLst/>
+          </a:prstGeom>
+          <a:noFill/>
+          <a:ln>
+            <a:solidFill>
+              <a:schemeClr val="tx1">
+                <a:lumMod val="65000"/>
+                <a:lumOff val="35000"/>
+              </a:schemeClr>
+            </a:solidFill>
+          </a:ln>
+        </p:spPr>
+        <p:txBody>
+          <a:bodyPr wrap="none" rtlCol="0">
+            <a:spAutoFit/>
+          </a:bodyPr>
+          <a:lstStyle/>
+          <a:p>
+            <a:r>
+              <a:rPr lang="en-US" sz="1867" dirty="0">
+                <a:solidFill>
+                  <a:srgbClr val="FF0000"/>
+                </a:solidFill>
+              </a:rPr>
+              <a:t>var x = 3</a:t>
+            </a:r>
+          </a:p>
+          <a:p>
+            <a:r>
+              <a:rPr lang="en-US" sz="1867" dirty="0">
+                <a:solidFill>
+                  <a:srgbClr val="FF0000"/>
+                </a:solidFill>
+              </a:rPr>
+              <a:t>var y = ‘foo’</a:t>
             </a:r>
           </a:p>
         </p:txBody>
@@ -25708,55 +25966,46 @@
           </a:bodyPr>
           <a:lstStyle/>
           <a:p>
-            <a:pPr indent="-228600">
+            <a:pPr>
               <a:lnSpc>
                 <a:spcPct val="90000"/>
               </a:lnSpc>
               <a:spcAft>
                 <a:spcPts val="600"/>
               </a:spcAft>
-              <a:buFont typeface="Arial" panose="020B0604020202020204" pitchFamily="34" charset="0"/>
-              <a:buChar char="•"/>
             </a:pPr>
             <a:r>
               <a:rPr lang="en-US" sz="2400" dirty="0"/>
               <a:t>const Hello = () =&gt; {</a:t>
             </a:r>
-            <a:endParaRPr lang="en-US" sz="2400"/>
           </a:p>
           <a:p>
-            <a:pPr indent="-228600">
+            <a:pPr>
               <a:lnSpc>
                 <a:spcPct val="90000"/>
               </a:lnSpc>
               <a:spcAft>
                 <a:spcPts val="600"/>
               </a:spcAft>
-              <a:buFont typeface="Arial" panose="020B0604020202020204" pitchFamily="34" charset="0"/>
-              <a:buChar char="•"/>
             </a:pPr>
             <a:r>
               <a:rPr lang="en-US" sz="2400" dirty="0"/>
               <a:t>   return &lt;h1&gt;Hello world!&lt;/h1&gt;</a:t>
             </a:r>
-            <a:endParaRPr lang="en-US" sz="2400"/>
           </a:p>
           <a:p>
-            <a:pPr indent="-228600">
+            <a:pPr>
               <a:lnSpc>
                 <a:spcPct val="90000"/>
               </a:lnSpc>
               <a:spcAft>
                 <a:spcPts val="600"/>
               </a:spcAft>
-              <a:buFont typeface="Arial" panose="020B0604020202020204" pitchFamily="34" charset="0"/>
-              <a:buChar char="•"/>
             </a:pPr>
             <a:r>
               <a:rPr lang="en-US" sz="2400" dirty="0"/>
               <a:t>}</a:t>
             </a:r>
-            <a:endParaRPr lang="en-US" sz="2400"/>
           </a:p>
         </p:txBody>
       </p:sp>
@@ -25834,7 +26083,7 @@
         </p:nvSpPr>
         <p:spPr>
           <a:xfrm>
-            <a:off x="6117459" y="2276872"/>
+            <a:off x="6145288" y="2060755"/>
             <a:ext cx="5012654" cy="2246769"/>
           </a:xfrm>
           <a:prstGeom prst="rect">
@@ -25877,11 +26126,6 @@
               </a:rPr>
               <a:t> {</a:t>
             </a:r>
-            <a:endParaRPr lang="en-US" sz="2400">
-              <a:solidFill>
-                <a:srgbClr val="FF0000"/>
-              </a:solidFill>
-            </a:endParaRPr>
           </a:p>
           <a:p>
             <a:pPr>
@@ -25897,11 +26141,6 @@
               </a:rPr>
               <a:t>   render() {</a:t>
             </a:r>
-            <a:endParaRPr lang="en-US" sz="2400">
-              <a:solidFill>
-                <a:srgbClr val="FF0000"/>
-              </a:solidFill>
-            </a:endParaRPr>
           </a:p>
           <a:p>
             <a:pPr>
@@ -25917,11 +26156,6 @@
               </a:rPr>
               <a:t>      return &lt;h1&gt;Hello world!&lt;/h1&gt;</a:t>
             </a:r>
-            <a:endParaRPr lang="en-US" sz="2400">
-              <a:solidFill>
-                <a:srgbClr val="FF0000"/>
-              </a:solidFill>
-            </a:endParaRPr>
           </a:p>
           <a:p>
             <a:pPr>
@@ -25937,11 +26171,6 @@
               </a:rPr>
               <a:t>   }</a:t>
             </a:r>
-            <a:endParaRPr lang="en-US" sz="2400">
-              <a:solidFill>
-                <a:srgbClr val="FF0000"/>
-              </a:solidFill>
-            </a:endParaRPr>
           </a:p>
           <a:p>
             <a:pPr>
@@ -25957,11 +26186,45 @@
               </a:rPr>
               <a:t>}</a:t>
             </a:r>
-            <a:endParaRPr lang="en-US" sz="2400">
-              <a:solidFill>
-                <a:srgbClr val="FF0000"/>
-              </a:solidFill>
-            </a:endParaRPr>
+          </a:p>
+        </p:txBody>
+      </p:sp>
+      <p:sp>
+        <p:nvSpPr>
+          <p:cNvPr id="3" name="TextBox 2">
+            <a:extLst>
+              <a:ext uri="{FF2B5EF4-FFF2-40B4-BE49-F238E27FC236}">
+                <a16:creationId xmlns:a16="http://schemas.microsoft.com/office/drawing/2014/main" id="{0DCA54F2-F031-4151-89AE-83993BAB8E52}"/>
+              </a:ext>
+            </a:extLst>
+          </p:cNvPr>
+          <p:cNvSpPr txBox="1"/>
+          <p:nvPr/>
+        </p:nvSpPr>
+        <p:spPr>
+          <a:xfrm>
+            <a:off x="6610847" y="5111214"/>
+            <a:ext cx="3999506" cy="646331"/>
+          </a:xfrm>
+          <a:prstGeom prst="rect">
+            <a:avLst/>
+          </a:prstGeom>
+          <a:noFill/>
+        </p:spPr>
+        <p:txBody>
+          <a:bodyPr wrap="square" rtlCol="0">
+            <a:spAutoFit/>
+          </a:bodyPr>
+          <a:lstStyle/>
+          <a:p>
+            <a:r>
+              <a:rPr lang="en-US" dirty="0">
+                <a:solidFill>
+                  <a:srgbClr val="FF0000"/>
+                </a:solidFill>
+              </a:rPr>
+              <a:t>Nothing wrong with this!  Good option for more complex components.</a:t>
+            </a:r>
           </a:p>
         </p:txBody>
       </p:sp>
@@ -27527,7 +27790,7 @@
           <a:p>
             <a:pPr algn="ctr"/>
             <a:r>
-              <a:rPr lang="en-US" sz="5200" kern="1200">
+              <a:rPr lang="en-US" sz="5200" kern="1200" dirty="0">
                 <a:solidFill>
                   <a:schemeClr val="tx1"/>
                 </a:solidFill>
@@ -27535,7 +27798,7 @@
                 <a:ea typeface="+mj-ea"/>
                 <a:cs typeface="+mj-cs"/>
               </a:rPr>
-              <a:t>Workflow</a:t>
+              <a:t>General R/JS Workflow</a:t>
             </a:r>
           </a:p>
         </p:txBody>
@@ -27793,12 +28056,19 @@
         </p:nvSpPr>
         <p:spPr>
           <a:xfrm>
-            <a:off x="838200" y="2057400"/>
-            <a:ext cx="10515600" cy="3871762"/>
+            <a:off x="838200" y="3170591"/>
+            <a:ext cx="9399104" cy="546652"/>
           </a:xfrm>
           <a:prstGeom prst="rect">
             <a:avLst/>
           </a:prstGeom>
+          <a:ln>
+            <a:solidFill>
+              <a:schemeClr val="bg2">
+                <a:lumMod val="50000"/>
+              </a:schemeClr>
+            </a:solidFill>
+          </a:ln>
         </p:spPr>
         <p:txBody>
           <a:bodyPr vert="horz" lIns="91440" tIns="45720" rIns="91440" bIns="45720" rtlCol="0">
@@ -27806,21 +28076,18 @@
           </a:bodyPr>
           <a:lstStyle/>
           <a:p>
-            <a:pPr indent="-228600">
+            <a:pPr>
               <a:lnSpc>
                 <a:spcPct val="90000"/>
               </a:lnSpc>
               <a:spcAft>
                 <a:spcPts val="600"/>
               </a:spcAft>
-              <a:buFont typeface="Arial" panose="020B0604020202020204" pitchFamily="34" charset="0"/>
-              <a:buChar char="•"/>
             </a:pPr>
             <a:r>
               <a:rPr lang="en-US" sz="2400" dirty="0"/>
               <a:t>git clone https://github.com/rdavidhall3/r-pharma-js-toolchain-2022.git</a:t>
             </a:r>
-            <a:endParaRPr lang="en-US" sz="2400"/>
           </a:p>
         </p:txBody>
       </p:sp>
@@ -27898,8 +28165,8 @@
         </p:nvSpPr>
         <p:spPr>
           <a:xfrm>
-            <a:off x="764963" y="1688420"/>
-            <a:ext cx="2987741" cy="461665"/>
+            <a:off x="764963" y="2793659"/>
+            <a:ext cx="3293915" cy="461665"/>
           </a:xfrm>
           <a:prstGeom prst="rect">
             <a:avLst/>
@@ -27919,9 +28186,8 @@
             </a:pPr>
             <a:r>
               <a:rPr lang="en-US" sz="2400" b="1" dirty="0"/>
-              <a:t>Clone workshop repo:</a:t>
+              <a:t>2. Clone workshop repo:</a:t>
             </a:r>
-            <a:endParaRPr lang="en-US" sz="2400" b="1"/>
           </a:p>
         </p:txBody>
       </p:sp>
@@ -27939,8 +28205,8 @@
         </p:nvSpPr>
         <p:spPr>
           <a:xfrm>
-            <a:off x="764963" y="3468891"/>
-            <a:ext cx="4381649" cy="1800493"/>
+            <a:off x="764963" y="4407153"/>
+            <a:ext cx="3983976" cy="1800493"/>
           </a:xfrm>
           <a:prstGeom prst="rect">
             <a:avLst/>
@@ -27968,9 +28234,8 @@
             </a:pPr>
             <a:r>
               <a:rPr lang="en-US" sz="2400" dirty="0"/>
-              <a:t>cd r-pharma-js-toolchain-2022.git</a:t>
+              <a:t>cd r-pharma-js-toolchain-2022</a:t>
             </a:r>
-            <a:endParaRPr lang="en-US" sz="2400"/>
           </a:p>
           <a:p>
             <a:pPr>
@@ -27982,7 +28247,6 @@
               <a:rPr lang="en-US" sz="2400" dirty="0"/>
               <a:t>yarn install</a:t>
             </a:r>
-            <a:endParaRPr lang="en-US" sz="2400"/>
           </a:p>
           <a:p>
             <a:pPr>
@@ -27998,7 +28262,7 @@
               <a:rPr lang="en-US" sz="2400" dirty="0" err="1"/>
               <a:t>srcreact</a:t>
             </a:r>
-            <a:endParaRPr lang="en-US" sz="2400"/>
+            <a:endParaRPr lang="en-US" sz="2400" dirty="0"/>
           </a:p>
           <a:p>
             <a:pPr>
@@ -28010,7 +28274,6 @@
               <a:rPr lang="en-US" sz="2400" dirty="0"/>
               <a:t>yarn install</a:t>
             </a:r>
-            <a:endParaRPr lang="en-US" sz="2400"/>
           </a:p>
         </p:txBody>
       </p:sp>
@@ -28028,8 +28291,8 @@
         </p:nvSpPr>
         <p:spPr>
           <a:xfrm>
-            <a:off x="743113" y="2976449"/>
-            <a:ext cx="4116704" cy="461665"/>
+            <a:off x="743113" y="3914711"/>
+            <a:ext cx="4422877" cy="461665"/>
           </a:xfrm>
           <a:prstGeom prst="rect">
             <a:avLst/>
@@ -28049,9 +28312,97 @@
             </a:pPr>
             <a:r>
               <a:rPr lang="en-US" sz="2400" b="1" dirty="0"/>
-              <a:t>Pull down JavaScript packages:</a:t>
+              <a:t>3. Pull down JavaScript packages:</a:t>
             </a:r>
-            <a:endParaRPr lang="en-US" sz="2400" b="1"/>
+          </a:p>
+        </p:txBody>
+      </p:sp>
+      <p:sp>
+        <p:nvSpPr>
+          <p:cNvPr id="10" name="TextBox 9">
+            <a:extLst>
+              <a:ext uri="{FF2B5EF4-FFF2-40B4-BE49-F238E27FC236}">
+                <a16:creationId xmlns:a16="http://schemas.microsoft.com/office/drawing/2014/main" id="{1840AD93-DB7C-417E-A0DB-0E66291B87A5}"/>
+              </a:ext>
+            </a:extLst>
+          </p:cNvPr>
+          <p:cNvSpPr txBox="1"/>
+          <p:nvPr/>
+        </p:nvSpPr>
+        <p:spPr>
+          <a:xfrm>
+            <a:off x="816350" y="2114126"/>
+            <a:ext cx="1060158" cy="546652"/>
+          </a:xfrm>
+          <a:prstGeom prst="rect">
+            <a:avLst/>
+          </a:prstGeom>
+          <a:ln>
+            <a:solidFill>
+              <a:schemeClr val="bg2">
+                <a:lumMod val="50000"/>
+              </a:schemeClr>
+            </a:solidFill>
+          </a:ln>
+        </p:spPr>
+        <p:txBody>
+          <a:bodyPr vert="horz" lIns="91440" tIns="45720" rIns="91440" bIns="45720" rtlCol="0">
+            <a:normAutofit/>
+          </a:bodyPr>
+          <a:lstStyle/>
+          <a:p>
+            <a:pPr>
+              <a:lnSpc>
+                <a:spcPct val="90000"/>
+              </a:lnSpc>
+              <a:spcAft>
+                <a:spcPts val="600"/>
+              </a:spcAft>
+            </a:pPr>
+            <a:r>
+              <a:rPr lang="en-US" sz="2400" dirty="0"/>
+              <a:t>cd ~</a:t>
+            </a:r>
+          </a:p>
+        </p:txBody>
+      </p:sp>
+      <p:sp>
+        <p:nvSpPr>
+          <p:cNvPr id="11" name="TextBox 10">
+            <a:extLst>
+              <a:ext uri="{FF2B5EF4-FFF2-40B4-BE49-F238E27FC236}">
+                <a16:creationId xmlns:a16="http://schemas.microsoft.com/office/drawing/2014/main" id="{EBABC6FE-D565-4841-9761-8A241B29E35D}"/>
+              </a:ext>
+            </a:extLst>
+          </p:cNvPr>
+          <p:cNvSpPr txBox="1"/>
+          <p:nvPr/>
+        </p:nvSpPr>
+        <p:spPr>
+          <a:xfrm>
+            <a:off x="743113" y="1733218"/>
+            <a:ext cx="4850687" cy="461665"/>
+          </a:xfrm>
+          <a:prstGeom prst="rect">
+            <a:avLst/>
+          </a:prstGeom>
+          <a:noFill/>
+        </p:spPr>
+        <p:txBody>
+          <a:bodyPr wrap="none" rtlCol="0">
+            <a:spAutoFit/>
+          </a:bodyPr>
+          <a:lstStyle/>
+          <a:p>
+            <a:pPr>
+              <a:spcAft>
+                <a:spcPts val="600"/>
+              </a:spcAft>
+            </a:pPr>
+            <a:r>
+              <a:rPr lang="en-US" sz="2400" b="1" dirty="0"/>
+              <a:t>1. Open a terminal and ‘cd’ to home:</a:t>
+            </a:r>
           </a:p>
         </p:txBody>
       </p:sp>
@@ -28289,7 +28640,7 @@
           <a:p>
             <a:r>
               <a:rPr lang="en-US" sz="2400" dirty="0"/>
-              <a:t>Existing selectors like </a:t>
+              <a:t>When there are a large number of options, selectors like </a:t>
             </a:r>
             <a:r>
               <a:rPr lang="en-US" sz="2400" dirty="0" err="1"/>
@@ -28297,15 +28648,7 @@
             </a:r>
             <a:r>
               <a:rPr lang="en-US" sz="2400" dirty="0"/>
-              <a:t>() and  </a:t>
-            </a:r>
-            <a:r>
-              <a:rPr lang="en-US" sz="2400" dirty="0" err="1"/>
-              <a:t>pickerInput</a:t>
-            </a:r>
-            <a:r>
-              <a:rPr lang="en-US" sz="2400" dirty="0"/>
-              <a:t>() display long lists in 1-dimensional scrollable input</a:t>
+              <a:t>() can lead to tedious scrolling</a:t>
             </a:r>
           </a:p>
           <a:p>
@@ -28325,14 +28668,14 @@
             <a:pPr lvl="1"/>
             <a:r>
               <a:rPr lang="en-US" dirty="0"/>
-              <a:t>All lab tests to be on the screen and arranged in columns</a:t>
+              <a:t>Lab tests to be grouped by panel</a:t>
             </a:r>
           </a:p>
           <a:p>
             <a:pPr lvl="1"/>
             <a:r>
               <a:rPr lang="en-US" dirty="0"/>
-              <a:t>Lab tests to be grouped by panel</a:t>
+              <a:t>All panels to be arranged in columns</a:t>
             </a:r>
           </a:p>
           <a:p>
@@ -28992,7 +29335,7 @@
           <a:p>
             <a:r>
               <a:rPr lang="en-US" dirty="0"/>
-              <a:t>High-level design: Modular Components</a:t>
+              <a:t>React Components</a:t>
             </a:r>
           </a:p>
         </p:txBody>
@@ -31879,7 +32222,7 @@
           <a:p>
             <a:r>
               <a:rPr lang="en-US" dirty="0"/>
-              <a:t>High-level design: Component nesting</a:t>
+              <a:t>Component nesting</a:t>
             </a:r>
           </a:p>
         </p:txBody>
@@ -33100,6 +33443,1569 @@
       </p:grpSpPr>
       <p:sp>
         <p:nvSpPr>
+          <p:cNvPr id="2" name="Title 1">
+            <a:extLst>
+              <a:ext uri="{FF2B5EF4-FFF2-40B4-BE49-F238E27FC236}">
+                <a16:creationId xmlns:a16="http://schemas.microsoft.com/office/drawing/2014/main" id="{3D56552F-BE33-4271-AA64-79C26468C5C9}"/>
+              </a:ext>
+            </a:extLst>
+          </p:cNvPr>
+          <p:cNvSpPr>
+            <a:spLocks noGrp="1"/>
+          </p:cNvSpPr>
+          <p:nvPr>
+            <p:ph type="title"/>
+          </p:nvPr>
+        </p:nvSpPr>
+        <p:spPr/>
+        <p:txBody>
+          <a:bodyPr/>
+          <a:lstStyle/>
+          <a:p>
+            <a:r>
+              <a:rPr lang="en-US" dirty="0"/>
+              <a:t>React component design</a:t>
+            </a:r>
+          </a:p>
+        </p:txBody>
+      </p:sp>
+      <p:sp>
+        <p:nvSpPr>
+          <p:cNvPr id="4" name="Slide Number Placeholder 3">
+            <a:extLst>
+              <a:ext uri="{FF2B5EF4-FFF2-40B4-BE49-F238E27FC236}">
+                <a16:creationId xmlns:a16="http://schemas.microsoft.com/office/drawing/2014/main" id="{B8B5FB69-0C21-4A2A-9AEA-39744900807D}"/>
+              </a:ext>
+            </a:extLst>
+          </p:cNvPr>
+          <p:cNvSpPr>
+            <a:spLocks noGrp="1"/>
+          </p:cNvSpPr>
+          <p:nvPr>
+            <p:ph type="sldNum" sz="quarter" idx="11"/>
+          </p:nvPr>
+        </p:nvSpPr>
+        <p:spPr/>
+        <p:txBody>
+          <a:bodyPr/>
+          <a:lstStyle/>
+          <a:p>
+            <a:fld id="{47547CF9-5B10-D24F-A8D7-45A9778164F7}" type="slidenum">
+              <a:rPr lang="uk-UA" smtClean="0"/>
+              <a:pPr/>
+              <a:t>27</a:t>
+            </a:fld>
+            <a:endParaRPr lang="uk-UA" dirty="0"/>
+          </a:p>
+        </p:txBody>
+      </p:sp>
+      <p:pic>
+        <p:nvPicPr>
+          <p:cNvPr id="8" name="Picture 7">
+            <a:extLst>
+              <a:ext uri="{FF2B5EF4-FFF2-40B4-BE49-F238E27FC236}">
+                <a16:creationId xmlns:a16="http://schemas.microsoft.com/office/drawing/2014/main" id="{A1E2FD71-A3AE-4BE7-A8E2-E1C36119A476}"/>
+              </a:ext>
+            </a:extLst>
+          </p:cNvPr>
+          <p:cNvPicPr>
+            <a:picLocks noChangeAspect="1"/>
+          </p:cNvPicPr>
+          <p:nvPr/>
+        </p:nvPicPr>
+        <p:blipFill>
+          <a:blip r:embed="rId2"/>
+          <a:stretch>
+            <a:fillRect/>
+          </a:stretch>
+        </p:blipFill>
+        <p:spPr>
+          <a:xfrm>
+            <a:off x="1613438" y="2292775"/>
+            <a:ext cx="3376607" cy="3360373"/>
+          </a:xfrm>
+          <a:prstGeom prst="rect">
+            <a:avLst/>
+          </a:prstGeom>
+        </p:spPr>
+      </p:pic>
+      <p:sp>
+        <p:nvSpPr>
+          <p:cNvPr id="3" name="Freeform: Shape 2">
+            <a:extLst>
+              <a:ext uri="{FF2B5EF4-FFF2-40B4-BE49-F238E27FC236}">
+                <a16:creationId xmlns:a16="http://schemas.microsoft.com/office/drawing/2014/main" id="{7A9C27C9-AEAC-4A2E-BFF1-536FF65CEC93}"/>
+              </a:ext>
+            </a:extLst>
+          </p:cNvPr>
+          <p:cNvSpPr/>
+          <p:nvPr/>
+        </p:nvSpPr>
+        <p:spPr>
+          <a:xfrm>
+            <a:off x="3307652" y="2286000"/>
+            <a:ext cx="1622218" cy="904988"/>
+          </a:xfrm>
+          <a:custGeom>
+            <a:avLst/>
+            <a:gdLst>
+              <a:gd name="connsiteX0" fmla="*/ 278386 w 1622218"/>
+              <a:gd name="connsiteY0" fmla="*/ 51683 h 904988"/>
+              <a:gd name="connsiteX1" fmla="*/ 250557 w 1622218"/>
+              <a:gd name="connsiteY1" fmla="*/ 71562 h 904988"/>
+              <a:gd name="connsiteX2" fmla="*/ 103458 w 1622218"/>
+              <a:gd name="connsiteY2" fmla="*/ 123245 h 904988"/>
+              <a:gd name="connsiteX3" fmla="*/ 23945 w 1622218"/>
+              <a:gd name="connsiteY3" fmla="*/ 174929 h 904988"/>
+              <a:gd name="connsiteX4" fmla="*/ 12018 w 1622218"/>
+              <a:gd name="connsiteY4" fmla="*/ 214685 h 904988"/>
+              <a:gd name="connsiteX5" fmla="*/ 8042 w 1622218"/>
+              <a:gd name="connsiteY5" fmla="*/ 278296 h 904988"/>
+              <a:gd name="connsiteX6" fmla="*/ 4066 w 1622218"/>
+              <a:gd name="connsiteY6" fmla="*/ 310101 h 904988"/>
+              <a:gd name="connsiteX7" fmla="*/ 8042 w 1622218"/>
+              <a:gd name="connsiteY7" fmla="*/ 572494 h 904988"/>
+              <a:gd name="connsiteX8" fmla="*/ 55750 w 1622218"/>
+              <a:gd name="connsiteY8" fmla="*/ 644056 h 904988"/>
+              <a:gd name="connsiteX9" fmla="*/ 83579 w 1622218"/>
+              <a:gd name="connsiteY9" fmla="*/ 691763 h 904988"/>
+              <a:gd name="connsiteX10" fmla="*/ 214776 w 1622218"/>
+              <a:gd name="connsiteY10" fmla="*/ 763325 h 904988"/>
+              <a:gd name="connsiteX11" fmla="*/ 278386 w 1622218"/>
+              <a:gd name="connsiteY11" fmla="*/ 779228 h 904988"/>
+              <a:gd name="connsiteX12" fmla="*/ 302240 w 1622218"/>
+              <a:gd name="connsiteY12" fmla="*/ 787179 h 904988"/>
+              <a:gd name="connsiteX13" fmla="*/ 389705 w 1622218"/>
+              <a:gd name="connsiteY13" fmla="*/ 795130 h 904988"/>
+              <a:gd name="connsiteX14" fmla="*/ 453315 w 1622218"/>
+              <a:gd name="connsiteY14" fmla="*/ 807057 h 904988"/>
+              <a:gd name="connsiteX15" fmla="*/ 473193 w 1622218"/>
+              <a:gd name="connsiteY15" fmla="*/ 815009 h 904988"/>
+              <a:gd name="connsiteX16" fmla="*/ 556682 w 1622218"/>
+              <a:gd name="connsiteY16" fmla="*/ 826936 h 904988"/>
+              <a:gd name="connsiteX17" fmla="*/ 580536 w 1622218"/>
+              <a:gd name="connsiteY17" fmla="*/ 830911 h 904988"/>
+              <a:gd name="connsiteX18" fmla="*/ 620292 w 1622218"/>
+              <a:gd name="connsiteY18" fmla="*/ 846814 h 904988"/>
+              <a:gd name="connsiteX19" fmla="*/ 691854 w 1622218"/>
+              <a:gd name="connsiteY19" fmla="*/ 866692 h 904988"/>
+              <a:gd name="connsiteX20" fmla="*/ 731611 w 1622218"/>
+              <a:gd name="connsiteY20" fmla="*/ 882595 h 904988"/>
+              <a:gd name="connsiteX21" fmla="*/ 827026 w 1622218"/>
+              <a:gd name="connsiteY21" fmla="*/ 886570 h 904988"/>
+              <a:gd name="connsiteX22" fmla="*/ 890637 w 1622218"/>
+              <a:gd name="connsiteY22" fmla="*/ 894522 h 904988"/>
+              <a:gd name="connsiteX23" fmla="*/ 1240494 w 1622218"/>
+              <a:gd name="connsiteY23" fmla="*/ 898497 h 904988"/>
+              <a:gd name="connsiteX24" fmla="*/ 1276275 w 1622218"/>
+              <a:gd name="connsiteY24" fmla="*/ 890546 h 904988"/>
+              <a:gd name="connsiteX25" fmla="*/ 1371691 w 1622218"/>
+              <a:gd name="connsiteY25" fmla="*/ 866692 h 904988"/>
+              <a:gd name="connsiteX26" fmla="*/ 1391569 w 1622218"/>
+              <a:gd name="connsiteY26" fmla="*/ 862717 h 904988"/>
+              <a:gd name="connsiteX27" fmla="*/ 1447228 w 1622218"/>
+              <a:gd name="connsiteY27" fmla="*/ 858741 h 904988"/>
+              <a:gd name="connsiteX28" fmla="*/ 1522765 w 1622218"/>
+              <a:gd name="connsiteY28" fmla="*/ 803082 h 904988"/>
+              <a:gd name="connsiteX29" fmla="*/ 1554571 w 1622218"/>
+              <a:gd name="connsiteY29" fmla="*/ 791155 h 904988"/>
+              <a:gd name="connsiteX30" fmla="*/ 1562522 w 1622218"/>
+              <a:gd name="connsiteY30" fmla="*/ 783203 h 904988"/>
+              <a:gd name="connsiteX31" fmla="*/ 1614205 w 1622218"/>
+              <a:gd name="connsiteY31" fmla="*/ 659958 h 904988"/>
+              <a:gd name="connsiteX32" fmla="*/ 1618181 w 1622218"/>
+              <a:gd name="connsiteY32" fmla="*/ 596348 h 904988"/>
+              <a:gd name="connsiteX33" fmla="*/ 1622157 w 1622218"/>
+              <a:gd name="connsiteY33" fmla="*/ 556591 h 904988"/>
+              <a:gd name="connsiteX34" fmla="*/ 1610230 w 1622218"/>
+              <a:gd name="connsiteY34" fmla="*/ 409492 h 904988"/>
+              <a:gd name="connsiteX35" fmla="*/ 1594327 w 1622218"/>
+              <a:gd name="connsiteY35" fmla="*/ 357809 h 904988"/>
+              <a:gd name="connsiteX36" fmla="*/ 1586376 w 1622218"/>
+              <a:gd name="connsiteY36" fmla="*/ 326003 h 904988"/>
+              <a:gd name="connsiteX37" fmla="*/ 1574449 w 1622218"/>
+              <a:gd name="connsiteY37" fmla="*/ 298174 h 904988"/>
+              <a:gd name="connsiteX38" fmla="*/ 1554571 w 1622218"/>
+              <a:gd name="connsiteY38" fmla="*/ 222637 h 904988"/>
+              <a:gd name="connsiteX39" fmla="*/ 1502887 w 1622218"/>
+              <a:gd name="connsiteY39" fmla="*/ 159026 h 904988"/>
+              <a:gd name="connsiteX40" fmla="*/ 1423374 w 1622218"/>
+              <a:gd name="connsiteY40" fmla="*/ 99391 h 904988"/>
+              <a:gd name="connsiteX41" fmla="*/ 1411447 w 1622218"/>
+              <a:gd name="connsiteY41" fmla="*/ 91440 h 904988"/>
+              <a:gd name="connsiteX42" fmla="*/ 1300129 w 1622218"/>
+              <a:gd name="connsiteY42" fmla="*/ 63610 h 904988"/>
+              <a:gd name="connsiteX43" fmla="*/ 1276275 w 1622218"/>
+              <a:gd name="connsiteY43" fmla="*/ 59635 h 904988"/>
+              <a:gd name="connsiteX44" fmla="*/ 1117249 w 1622218"/>
+              <a:gd name="connsiteY44" fmla="*/ 55659 h 904988"/>
+              <a:gd name="connsiteX45" fmla="*/ 1033760 w 1622218"/>
+              <a:gd name="connsiteY45" fmla="*/ 43732 h 904988"/>
+              <a:gd name="connsiteX46" fmla="*/ 866783 w 1622218"/>
+              <a:gd name="connsiteY46" fmla="*/ 23854 h 904988"/>
+              <a:gd name="connsiteX47" fmla="*/ 795221 w 1622218"/>
+              <a:gd name="connsiteY47" fmla="*/ 3976 h 904988"/>
+              <a:gd name="connsiteX48" fmla="*/ 743538 w 1622218"/>
+              <a:gd name="connsiteY48" fmla="*/ 0 h 904988"/>
+              <a:gd name="connsiteX49" fmla="*/ 397656 w 1622218"/>
+              <a:gd name="connsiteY49" fmla="*/ 3976 h 904988"/>
+              <a:gd name="connsiteX50" fmla="*/ 369826 w 1622218"/>
+              <a:gd name="connsiteY50" fmla="*/ 7951 h 904988"/>
+              <a:gd name="connsiteX51" fmla="*/ 349948 w 1622218"/>
+              <a:gd name="connsiteY51" fmla="*/ 27830 h 904988"/>
+              <a:gd name="connsiteX52" fmla="*/ 306216 w 1622218"/>
+              <a:gd name="connsiteY52" fmla="*/ 47708 h 904988"/>
+              <a:gd name="connsiteX53" fmla="*/ 278386 w 1622218"/>
+              <a:gd name="connsiteY53" fmla="*/ 51683 h 904988"/>
+            </a:gdLst>
+            <a:ahLst/>
+            <a:cxnLst>
+              <a:cxn ang="0">
+                <a:pos x="connsiteX0" y="connsiteY0"/>
+              </a:cxn>
+              <a:cxn ang="0">
+                <a:pos x="connsiteX1" y="connsiteY1"/>
+              </a:cxn>
+              <a:cxn ang="0">
+                <a:pos x="connsiteX2" y="connsiteY2"/>
+              </a:cxn>
+              <a:cxn ang="0">
+                <a:pos x="connsiteX3" y="connsiteY3"/>
+              </a:cxn>
+              <a:cxn ang="0">
+                <a:pos x="connsiteX4" y="connsiteY4"/>
+              </a:cxn>
+              <a:cxn ang="0">
+                <a:pos x="connsiteX5" y="connsiteY5"/>
+              </a:cxn>
+              <a:cxn ang="0">
+                <a:pos x="connsiteX6" y="connsiteY6"/>
+              </a:cxn>
+              <a:cxn ang="0">
+                <a:pos x="connsiteX7" y="connsiteY7"/>
+              </a:cxn>
+              <a:cxn ang="0">
+                <a:pos x="connsiteX8" y="connsiteY8"/>
+              </a:cxn>
+              <a:cxn ang="0">
+                <a:pos x="connsiteX9" y="connsiteY9"/>
+              </a:cxn>
+              <a:cxn ang="0">
+                <a:pos x="connsiteX10" y="connsiteY10"/>
+              </a:cxn>
+              <a:cxn ang="0">
+                <a:pos x="connsiteX11" y="connsiteY11"/>
+              </a:cxn>
+              <a:cxn ang="0">
+                <a:pos x="connsiteX12" y="connsiteY12"/>
+              </a:cxn>
+              <a:cxn ang="0">
+                <a:pos x="connsiteX13" y="connsiteY13"/>
+              </a:cxn>
+              <a:cxn ang="0">
+                <a:pos x="connsiteX14" y="connsiteY14"/>
+              </a:cxn>
+              <a:cxn ang="0">
+                <a:pos x="connsiteX15" y="connsiteY15"/>
+              </a:cxn>
+              <a:cxn ang="0">
+                <a:pos x="connsiteX16" y="connsiteY16"/>
+              </a:cxn>
+              <a:cxn ang="0">
+                <a:pos x="connsiteX17" y="connsiteY17"/>
+              </a:cxn>
+              <a:cxn ang="0">
+                <a:pos x="connsiteX18" y="connsiteY18"/>
+              </a:cxn>
+              <a:cxn ang="0">
+                <a:pos x="connsiteX19" y="connsiteY19"/>
+              </a:cxn>
+              <a:cxn ang="0">
+                <a:pos x="connsiteX20" y="connsiteY20"/>
+              </a:cxn>
+              <a:cxn ang="0">
+                <a:pos x="connsiteX21" y="connsiteY21"/>
+              </a:cxn>
+              <a:cxn ang="0">
+                <a:pos x="connsiteX22" y="connsiteY22"/>
+              </a:cxn>
+              <a:cxn ang="0">
+                <a:pos x="connsiteX23" y="connsiteY23"/>
+              </a:cxn>
+              <a:cxn ang="0">
+                <a:pos x="connsiteX24" y="connsiteY24"/>
+              </a:cxn>
+              <a:cxn ang="0">
+                <a:pos x="connsiteX25" y="connsiteY25"/>
+              </a:cxn>
+              <a:cxn ang="0">
+                <a:pos x="connsiteX26" y="connsiteY26"/>
+              </a:cxn>
+              <a:cxn ang="0">
+                <a:pos x="connsiteX27" y="connsiteY27"/>
+              </a:cxn>
+              <a:cxn ang="0">
+                <a:pos x="connsiteX28" y="connsiteY28"/>
+              </a:cxn>
+              <a:cxn ang="0">
+                <a:pos x="connsiteX29" y="connsiteY29"/>
+              </a:cxn>
+              <a:cxn ang="0">
+                <a:pos x="connsiteX30" y="connsiteY30"/>
+              </a:cxn>
+              <a:cxn ang="0">
+                <a:pos x="connsiteX31" y="connsiteY31"/>
+              </a:cxn>
+              <a:cxn ang="0">
+                <a:pos x="connsiteX32" y="connsiteY32"/>
+              </a:cxn>
+              <a:cxn ang="0">
+                <a:pos x="connsiteX33" y="connsiteY33"/>
+              </a:cxn>
+              <a:cxn ang="0">
+                <a:pos x="connsiteX34" y="connsiteY34"/>
+              </a:cxn>
+              <a:cxn ang="0">
+                <a:pos x="connsiteX35" y="connsiteY35"/>
+              </a:cxn>
+              <a:cxn ang="0">
+                <a:pos x="connsiteX36" y="connsiteY36"/>
+              </a:cxn>
+              <a:cxn ang="0">
+                <a:pos x="connsiteX37" y="connsiteY37"/>
+              </a:cxn>
+              <a:cxn ang="0">
+                <a:pos x="connsiteX38" y="connsiteY38"/>
+              </a:cxn>
+              <a:cxn ang="0">
+                <a:pos x="connsiteX39" y="connsiteY39"/>
+              </a:cxn>
+              <a:cxn ang="0">
+                <a:pos x="connsiteX40" y="connsiteY40"/>
+              </a:cxn>
+              <a:cxn ang="0">
+                <a:pos x="connsiteX41" y="connsiteY41"/>
+              </a:cxn>
+              <a:cxn ang="0">
+                <a:pos x="connsiteX42" y="connsiteY42"/>
+              </a:cxn>
+              <a:cxn ang="0">
+                <a:pos x="connsiteX43" y="connsiteY43"/>
+              </a:cxn>
+              <a:cxn ang="0">
+                <a:pos x="connsiteX44" y="connsiteY44"/>
+              </a:cxn>
+              <a:cxn ang="0">
+                <a:pos x="connsiteX45" y="connsiteY45"/>
+              </a:cxn>
+              <a:cxn ang="0">
+                <a:pos x="connsiteX46" y="connsiteY46"/>
+              </a:cxn>
+              <a:cxn ang="0">
+                <a:pos x="connsiteX47" y="connsiteY47"/>
+              </a:cxn>
+              <a:cxn ang="0">
+                <a:pos x="connsiteX48" y="connsiteY48"/>
+              </a:cxn>
+              <a:cxn ang="0">
+                <a:pos x="connsiteX49" y="connsiteY49"/>
+              </a:cxn>
+              <a:cxn ang="0">
+                <a:pos x="connsiteX50" y="connsiteY50"/>
+              </a:cxn>
+              <a:cxn ang="0">
+                <a:pos x="connsiteX51" y="connsiteY51"/>
+              </a:cxn>
+              <a:cxn ang="0">
+                <a:pos x="connsiteX52" y="connsiteY52"/>
+              </a:cxn>
+              <a:cxn ang="0">
+                <a:pos x="connsiteX53" y="connsiteY53"/>
+              </a:cxn>
+            </a:cxnLst>
+            <a:rect l="l" t="t" r="r" b="b"/>
+            <a:pathLst>
+              <a:path w="1622218" h="904988">
+                <a:moveTo>
+                  <a:pt x="278386" y="51683"/>
+                </a:moveTo>
+                <a:cubicBezTo>
+                  <a:pt x="269109" y="55659"/>
+                  <a:pt x="261108" y="67246"/>
+                  <a:pt x="250557" y="71562"/>
+                </a:cubicBezTo>
+                <a:cubicBezTo>
+                  <a:pt x="202455" y="91240"/>
+                  <a:pt x="148582" y="97460"/>
+                  <a:pt x="103458" y="123245"/>
+                </a:cubicBezTo>
+                <a:cubicBezTo>
+                  <a:pt x="57435" y="149544"/>
+                  <a:pt x="84413" y="133066"/>
+                  <a:pt x="23945" y="174929"/>
+                </a:cubicBezTo>
+                <a:cubicBezTo>
+                  <a:pt x="19969" y="188181"/>
+                  <a:pt x="14122" y="201010"/>
+                  <a:pt x="12018" y="214685"/>
+                </a:cubicBezTo>
+                <a:cubicBezTo>
+                  <a:pt x="8787" y="235683"/>
+                  <a:pt x="9806" y="257124"/>
+                  <a:pt x="8042" y="278296"/>
+                </a:cubicBezTo>
+                <a:cubicBezTo>
+                  <a:pt x="7155" y="288943"/>
+                  <a:pt x="5391" y="299499"/>
+                  <a:pt x="4066" y="310101"/>
+                </a:cubicBezTo>
+                <a:cubicBezTo>
+                  <a:pt x="1760" y="402363"/>
+                  <a:pt x="-5626" y="482284"/>
+                  <a:pt x="8042" y="572494"/>
+                </a:cubicBezTo>
+                <a:cubicBezTo>
+                  <a:pt x="12341" y="600869"/>
+                  <a:pt x="41661" y="623803"/>
+                  <a:pt x="55750" y="644056"/>
+                </a:cubicBezTo>
+                <a:cubicBezTo>
+                  <a:pt x="66263" y="659169"/>
+                  <a:pt x="70308" y="679003"/>
+                  <a:pt x="83579" y="691763"/>
+                </a:cubicBezTo>
+                <a:cubicBezTo>
+                  <a:pt x="125606" y="732173"/>
+                  <a:pt x="162524" y="747649"/>
+                  <a:pt x="214776" y="763325"/>
+                </a:cubicBezTo>
+                <a:cubicBezTo>
+                  <a:pt x="235710" y="769605"/>
+                  <a:pt x="257300" y="773477"/>
+                  <a:pt x="278386" y="779228"/>
+                </a:cubicBezTo>
+                <a:cubicBezTo>
+                  <a:pt x="286472" y="781433"/>
+                  <a:pt x="293943" y="785994"/>
+                  <a:pt x="302240" y="787179"/>
+                </a:cubicBezTo>
+                <a:cubicBezTo>
+                  <a:pt x="331221" y="791319"/>
+                  <a:pt x="360550" y="792480"/>
+                  <a:pt x="389705" y="795130"/>
+                </a:cubicBezTo>
+                <a:cubicBezTo>
+                  <a:pt x="410908" y="799106"/>
+                  <a:pt x="432329" y="802060"/>
+                  <a:pt x="453315" y="807057"/>
+                </a:cubicBezTo>
+                <a:cubicBezTo>
+                  <a:pt x="460257" y="808710"/>
+                  <a:pt x="466185" y="813661"/>
+                  <a:pt x="473193" y="815009"/>
+                </a:cubicBezTo>
+                <a:cubicBezTo>
+                  <a:pt x="500799" y="820318"/>
+                  <a:pt x="528873" y="822816"/>
+                  <a:pt x="556682" y="826936"/>
+                </a:cubicBezTo>
+                <a:cubicBezTo>
+                  <a:pt x="564656" y="828117"/>
+                  <a:pt x="572585" y="829586"/>
+                  <a:pt x="580536" y="830911"/>
+                </a:cubicBezTo>
+                <a:cubicBezTo>
+                  <a:pt x="593788" y="836212"/>
+                  <a:pt x="606682" y="842516"/>
+                  <a:pt x="620292" y="846814"/>
+                </a:cubicBezTo>
+                <a:cubicBezTo>
+                  <a:pt x="723092" y="879277"/>
+                  <a:pt x="588149" y="828484"/>
+                  <a:pt x="691854" y="866692"/>
+                </a:cubicBezTo>
+                <a:cubicBezTo>
+                  <a:pt x="705247" y="871626"/>
+                  <a:pt x="717490" y="880518"/>
+                  <a:pt x="731611" y="882595"/>
+                </a:cubicBezTo>
+                <a:cubicBezTo>
+                  <a:pt x="763105" y="887226"/>
+                  <a:pt x="795221" y="885245"/>
+                  <a:pt x="827026" y="886570"/>
+                </a:cubicBezTo>
+                <a:cubicBezTo>
+                  <a:pt x="848230" y="889221"/>
+                  <a:pt x="869289" y="893573"/>
+                  <a:pt x="890637" y="894522"/>
+                </a:cubicBezTo>
+                <a:cubicBezTo>
+                  <a:pt x="1156409" y="906334"/>
+                  <a:pt x="1095898" y="908826"/>
+                  <a:pt x="1240494" y="898497"/>
+                </a:cubicBezTo>
+                <a:cubicBezTo>
+                  <a:pt x="1298603" y="888814"/>
+                  <a:pt x="1241041" y="899681"/>
+                  <a:pt x="1276275" y="890546"/>
+                </a:cubicBezTo>
+                <a:lnTo>
+                  <a:pt x="1371691" y="866692"/>
+                </a:lnTo>
+                <a:cubicBezTo>
+                  <a:pt x="1378260" y="865107"/>
+                  <a:pt x="1384849" y="863424"/>
+                  <a:pt x="1391569" y="862717"/>
+                </a:cubicBezTo>
+                <a:cubicBezTo>
+                  <a:pt x="1410067" y="860770"/>
+                  <a:pt x="1428675" y="860066"/>
+                  <a:pt x="1447228" y="858741"/>
+                </a:cubicBezTo>
+                <a:cubicBezTo>
+                  <a:pt x="1473621" y="832348"/>
+                  <a:pt x="1471583" y="832938"/>
+                  <a:pt x="1522765" y="803082"/>
+                </a:cubicBezTo>
+                <a:cubicBezTo>
+                  <a:pt x="1532546" y="797377"/>
+                  <a:pt x="1543969" y="795131"/>
+                  <a:pt x="1554571" y="791155"/>
+                </a:cubicBezTo>
+                <a:cubicBezTo>
+                  <a:pt x="1557221" y="788504"/>
+                  <a:pt x="1560793" y="786529"/>
+                  <a:pt x="1562522" y="783203"/>
+                </a:cubicBezTo>
+                <a:cubicBezTo>
+                  <a:pt x="1607055" y="697562"/>
+                  <a:pt x="1599326" y="719477"/>
+                  <a:pt x="1614205" y="659958"/>
+                </a:cubicBezTo>
+                <a:cubicBezTo>
+                  <a:pt x="1615530" y="638755"/>
+                  <a:pt x="1616551" y="617530"/>
+                  <a:pt x="1618181" y="596348"/>
+                </a:cubicBezTo>
+                <a:cubicBezTo>
+                  <a:pt x="1619203" y="583069"/>
+                  <a:pt x="1622723" y="569897"/>
+                  <a:pt x="1622157" y="556591"/>
+                </a:cubicBezTo>
+                <a:cubicBezTo>
+                  <a:pt x="1620066" y="507442"/>
+                  <a:pt x="1617051" y="458211"/>
+                  <a:pt x="1610230" y="409492"/>
+                </a:cubicBezTo>
+                <a:cubicBezTo>
+                  <a:pt x="1607731" y="391641"/>
+                  <a:pt x="1599279" y="375140"/>
+                  <a:pt x="1594327" y="357809"/>
+                </a:cubicBezTo>
+                <a:cubicBezTo>
+                  <a:pt x="1591325" y="347301"/>
+                  <a:pt x="1589832" y="336370"/>
+                  <a:pt x="1586376" y="326003"/>
+                </a:cubicBezTo>
+                <a:cubicBezTo>
+                  <a:pt x="1583185" y="316429"/>
+                  <a:pt x="1577459" y="307807"/>
+                  <a:pt x="1574449" y="298174"/>
+                </a:cubicBezTo>
+                <a:cubicBezTo>
+                  <a:pt x="1568040" y="277665"/>
+                  <a:pt x="1564864" y="241508"/>
+                  <a:pt x="1554571" y="222637"/>
+                </a:cubicBezTo>
+                <a:cubicBezTo>
+                  <a:pt x="1549514" y="213365"/>
+                  <a:pt x="1519563" y="172228"/>
+                  <a:pt x="1502887" y="159026"/>
+                </a:cubicBezTo>
+                <a:cubicBezTo>
+                  <a:pt x="1476911" y="138462"/>
+                  <a:pt x="1450017" y="119083"/>
+                  <a:pt x="1423374" y="99391"/>
+                </a:cubicBezTo>
+                <a:cubicBezTo>
+                  <a:pt x="1419532" y="96551"/>
+                  <a:pt x="1416082" y="92599"/>
+                  <a:pt x="1411447" y="91440"/>
+                </a:cubicBezTo>
+                <a:cubicBezTo>
+                  <a:pt x="1374341" y="82163"/>
+                  <a:pt x="1337857" y="69897"/>
+                  <a:pt x="1300129" y="63610"/>
+                </a:cubicBezTo>
+                <a:cubicBezTo>
+                  <a:pt x="1292178" y="62285"/>
+                  <a:pt x="1284328" y="59985"/>
+                  <a:pt x="1276275" y="59635"/>
+                </a:cubicBezTo>
+                <a:cubicBezTo>
+                  <a:pt x="1223300" y="57332"/>
+                  <a:pt x="1170258" y="56984"/>
+                  <a:pt x="1117249" y="55659"/>
+                </a:cubicBezTo>
+                <a:cubicBezTo>
+                  <a:pt x="1027139" y="37638"/>
+                  <a:pt x="1129942" y="56729"/>
+                  <a:pt x="1033760" y="43732"/>
+                </a:cubicBezTo>
+                <a:cubicBezTo>
+                  <a:pt x="877363" y="22597"/>
+                  <a:pt x="984707" y="31225"/>
+                  <a:pt x="866783" y="23854"/>
+                </a:cubicBezTo>
+                <a:cubicBezTo>
+                  <a:pt x="842929" y="17228"/>
+                  <a:pt x="819527" y="8680"/>
+                  <a:pt x="795221" y="3976"/>
+                </a:cubicBezTo>
+                <a:cubicBezTo>
+                  <a:pt x="778257" y="693"/>
+                  <a:pt x="760817" y="0"/>
+                  <a:pt x="743538" y="0"/>
+                </a:cubicBezTo>
+                <a:cubicBezTo>
+                  <a:pt x="628236" y="0"/>
+                  <a:pt x="512950" y="2651"/>
+                  <a:pt x="397656" y="3976"/>
+                </a:cubicBezTo>
+                <a:cubicBezTo>
+                  <a:pt x="388379" y="5301"/>
+                  <a:pt x="378208" y="3760"/>
+                  <a:pt x="369826" y="7951"/>
+                </a:cubicBezTo>
+                <a:cubicBezTo>
+                  <a:pt x="361444" y="12142"/>
+                  <a:pt x="358479" y="23952"/>
+                  <a:pt x="349948" y="27830"/>
+                </a:cubicBezTo>
+                <a:cubicBezTo>
+                  <a:pt x="335371" y="34456"/>
+                  <a:pt x="320538" y="40547"/>
+                  <a:pt x="306216" y="47708"/>
+                </a:cubicBezTo>
+                <a:cubicBezTo>
+                  <a:pt x="269151" y="66240"/>
+                  <a:pt x="287663" y="47707"/>
+                  <a:pt x="278386" y="51683"/>
+                </a:cubicBezTo>
+                <a:close/>
+              </a:path>
+            </a:pathLst>
+          </a:custGeom>
+          <a:noFill/>
+          <a:ln w="28575">
+            <a:solidFill>
+              <a:srgbClr val="FF0000"/>
+            </a:solidFill>
+          </a:ln>
+        </p:spPr>
+        <p:style>
+          <a:lnRef idx="2">
+            <a:schemeClr val="accent1">
+              <a:shade val="50000"/>
+            </a:schemeClr>
+          </a:lnRef>
+          <a:fillRef idx="1">
+            <a:schemeClr val="accent1"/>
+          </a:fillRef>
+          <a:effectRef idx="0">
+            <a:schemeClr val="accent1"/>
+          </a:effectRef>
+          <a:fontRef idx="minor">
+            <a:schemeClr val="lt1"/>
+          </a:fontRef>
+        </p:style>
+        <p:txBody>
+          <a:bodyPr rtlCol="0" anchor="ctr"/>
+          <a:lstStyle/>
+          <a:p>
+            <a:pPr algn="ctr"/>
+            <a:endParaRPr lang="en-US"/>
+          </a:p>
+        </p:txBody>
+      </p:sp>
+      <p:sp>
+        <p:nvSpPr>
+          <p:cNvPr id="5" name="Freeform: Shape 4">
+            <a:extLst>
+              <a:ext uri="{FF2B5EF4-FFF2-40B4-BE49-F238E27FC236}">
+                <a16:creationId xmlns:a16="http://schemas.microsoft.com/office/drawing/2014/main" id="{C308283C-96B6-434E-8BB0-0EA4D696017C}"/>
+              </a:ext>
+            </a:extLst>
+          </p:cNvPr>
+          <p:cNvSpPr/>
+          <p:nvPr/>
+        </p:nvSpPr>
+        <p:spPr>
+          <a:xfrm>
+            <a:off x="1546529" y="1871917"/>
+            <a:ext cx="4058205" cy="4079634"/>
+          </a:xfrm>
+          <a:custGeom>
+            <a:avLst/>
+            <a:gdLst>
+              <a:gd name="connsiteX0" fmla="*/ 119269 w 4058205"/>
+              <a:gd name="connsiteY0" fmla="*/ 557206 h 4079634"/>
+              <a:gd name="connsiteX1" fmla="*/ 111318 w 4058205"/>
+              <a:gd name="connsiteY1" fmla="*/ 970674 h 4079634"/>
+              <a:gd name="connsiteX2" fmla="*/ 99391 w 4058205"/>
+              <a:gd name="connsiteY2" fmla="*/ 1046212 h 4079634"/>
+              <a:gd name="connsiteX3" fmla="*/ 87464 w 4058205"/>
+              <a:gd name="connsiteY3" fmla="*/ 1209213 h 4079634"/>
+              <a:gd name="connsiteX4" fmla="*/ 67586 w 4058205"/>
+              <a:gd name="connsiteY4" fmla="*/ 1324507 h 4079634"/>
+              <a:gd name="connsiteX5" fmla="*/ 31805 w 4058205"/>
+              <a:gd name="connsiteY5" fmla="*/ 1586900 h 4079634"/>
+              <a:gd name="connsiteX6" fmla="*/ 0 w 4058205"/>
+              <a:gd name="connsiteY6" fmla="*/ 1682316 h 4079634"/>
+              <a:gd name="connsiteX7" fmla="*/ 63610 w 4058205"/>
+              <a:gd name="connsiteY7" fmla="*/ 1845318 h 4079634"/>
+              <a:gd name="connsiteX8" fmla="*/ 83488 w 4058205"/>
+              <a:gd name="connsiteY8" fmla="*/ 1976514 h 4079634"/>
+              <a:gd name="connsiteX9" fmla="*/ 409492 w 4058205"/>
+              <a:gd name="connsiteY9" fmla="*/ 2680205 h 4079634"/>
+              <a:gd name="connsiteX10" fmla="*/ 536713 w 4058205"/>
+              <a:gd name="connsiteY10" fmla="*/ 2942598 h 4079634"/>
+              <a:gd name="connsiteX11" fmla="*/ 620201 w 4058205"/>
+              <a:gd name="connsiteY11" fmla="*/ 3041989 h 4079634"/>
+              <a:gd name="connsiteX12" fmla="*/ 481054 w 4058205"/>
+              <a:gd name="connsiteY12" fmla="*/ 2954525 h 4079634"/>
+              <a:gd name="connsiteX13" fmla="*/ 465151 w 4058205"/>
+              <a:gd name="connsiteY13" fmla="*/ 2958500 h 4079634"/>
+              <a:gd name="connsiteX14" fmla="*/ 453224 w 4058205"/>
+              <a:gd name="connsiteY14" fmla="*/ 2998257 h 4079634"/>
+              <a:gd name="connsiteX15" fmla="*/ 437321 w 4058205"/>
+              <a:gd name="connsiteY15" fmla="*/ 3030062 h 4079634"/>
+              <a:gd name="connsiteX16" fmla="*/ 421419 w 4058205"/>
+              <a:gd name="connsiteY16" fmla="*/ 3065843 h 4079634"/>
+              <a:gd name="connsiteX17" fmla="*/ 417443 w 4058205"/>
+              <a:gd name="connsiteY17" fmla="*/ 3121502 h 4079634"/>
+              <a:gd name="connsiteX18" fmla="*/ 369735 w 4058205"/>
+              <a:gd name="connsiteY18" fmla="*/ 3427627 h 4079634"/>
+              <a:gd name="connsiteX19" fmla="*/ 373711 w 4058205"/>
+              <a:gd name="connsiteY19" fmla="*/ 3618459 h 4079634"/>
+              <a:gd name="connsiteX20" fmla="*/ 489005 w 4058205"/>
+              <a:gd name="connsiteY20" fmla="*/ 3769533 h 4079634"/>
+              <a:gd name="connsiteX21" fmla="*/ 536713 w 4058205"/>
+              <a:gd name="connsiteY21" fmla="*/ 3849046 h 4079634"/>
+              <a:gd name="connsiteX22" fmla="*/ 600323 w 4058205"/>
+              <a:gd name="connsiteY22" fmla="*/ 3872900 h 4079634"/>
+              <a:gd name="connsiteX23" fmla="*/ 779228 w 4058205"/>
+              <a:gd name="connsiteY23" fmla="*/ 3928560 h 4079634"/>
+              <a:gd name="connsiteX24" fmla="*/ 858741 w 4058205"/>
+              <a:gd name="connsiteY24" fmla="*/ 3968316 h 4079634"/>
+              <a:gd name="connsiteX25" fmla="*/ 1192695 w 4058205"/>
+              <a:gd name="connsiteY25" fmla="*/ 4016024 h 4079634"/>
+              <a:gd name="connsiteX26" fmla="*/ 1574358 w 4058205"/>
+              <a:gd name="connsiteY26" fmla="*/ 4079634 h 4079634"/>
+              <a:gd name="connsiteX27" fmla="*/ 2524539 w 4058205"/>
+              <a:gd name="connsiteY27" fmla="*/ 4039878 h 4079634"/>
+              <a:gd name="connsiteX28" fmla="*/ 2631881 w 4058205"/>
+              <a:gd name="connsiteY28" fmla="*/ 4027951 h 4079634"/>
+              <a:gd name="connsiteX29" fmla="*/ 2691516 w 4058205"/>
+              <a:gd name="connsiteY29" fmla="*/ 3988194 h 4079634"/>
+              <a:gd name="connsiteX30" fmla="*/ 2846567 w 4058205"/>
+              <a:gd name="connsiteY30" fmla="*/ 3944462 h 4079634"/>
+              <a:gd name="connsiteX31" fmla="*/ 3200400 w 4058205"/>
+              <a:gd name="connsiteY31" fmla="*/ 3761582 h 4079634"/>
+              <a:gd name="connsiteX32" fmla="*/ 3542306 w 4058205"/>
+              <a:gd name="connsiteY32" fmla="*/ 3077770 h 4079634"/>
+              <a:gd name="connsiteX33" fmla="*/ 3645673 w 4058205"/>
+              <a:gd name="connsiteY33" fmla="*/ 2807426 h 4079634"/>
+              <a:gd name="connsiteX34" fmla="*/ 3661575 w 4058205"/>
+              <a:gd name="connsiteY34" fmla="*/ 2727913 h 4079634"/>
+              <a:gd name="connsiteX35" fmla="*/ 3995530 w 4058205"/>
+              <a:gd name="connsiteY35" fmla="*/ 1833391 h 4079634"/>
+              <a:gd name="connsiteX36" fmla="*/ 4015408 w 4058205"/>
+              <a:gd name="connsiteY36" fmla="*/ 1726048 h 4079634"/>
+              <a:gd name="connsiteX37" fmla="*/ 4043238 w 4058205"/>
+              <a:gd name="connsiteY37" fmla="*/ 1606779 h 4079634"/>
+              <a:gd name="connsiteX38" fmla="*/ 4003481 w 4058205"/>
+              <a:gd name="connsiteY38" fmla="*/ 1081993 h 4079634"/>
+              <a:gd name="connsiteX39" fmla="*/ 3927944 w 4058205"/>
+              <a:gd name="connsiteY39" fmla="*/ 930918 h 4079634"/>
+              <a:gd name="connsiteX40" fmla="*/ 3776869 w 4058205"/>
+              <a:gd name="connsiteY40" fmla="*/ 688403 h 4079634"/>
+              <a:gd name="connsiteX41" fmla="*/ 3609892 w 4058205"/>
+              <a:gd name="connsiteY41" fmla="*/ 545280 h 4079634"/>
+              <a:gd name="connsiteX42" fmla="*/ 3287864 w 4058205"/>
+              <a:gd name="connsiteY42" fmla="*/ 362400 h 4079634"/>
+              <a:gd name="connsiteX43" fmla="*/ 3073179 w 4058205"/>
+              <a:gd name="connsiteY43" fmla="*/ 231203 h 4079634"/>
+              <a:gd name="connsiteX44" fmla="*/ 3001617 w 4058205"/>
+              <a:gd name="connsiteY44" fmla="*/ 191446 h 4079634"/>
+              <a:gd name="connsiteX45" fmla="*/ 2941982 w 4058205"/>
+              <a:gd name="connsiteY45" fmla="*/ 167593 h 4079634"/>
+              <a:gd name="connsiteX46" fmla="*/ 2731273 w 4058205"/>
+              <a:gd name="connsiteY46" fmla="*/ 80128 h 4079634"/>
+              <a:gd name="connsiteX47" fmla="*/ 2293951 w 4058205"/>
+              <a:gd name="connsiteY47" fmla="*/ 4591 h 4079634"/>
+              <a:gd name="connsiteX48" fmla="*/ 902473 w 4058205"/>
+              <a:gd name="connsiteY48" fmla="*/ 8566 h 4079634"/>
+              <a:gd name="connsiteX49" fmla="*/ 707666 w 4058205"/>
+              <a:gd name="connsiteY49" fmla="*/ 64226 h 4079634"/>
+              <a:gd name="connsiteX50" fmla="*/ 532737 w 4058205"/>
+              <a:gd name="connsiteY50" fmla="*/ 115909 h 4079634"/>
+              <a:gd name="connsiteX51" fmla="*/ 357808 w 4058205"/>
+              <a:gd name="connsiteY51" fmla="*/ 167593 h 4079634"/>
+              <a:gd name="connsiteX52" fmla="*/ 282271 w 4058205"/>
+              <a:gd name="connsiteY52" fmla="*/ 195422 h 4079634"/>
+              <a:gd name="connsiteX53" fmla="*/ 186855 w 4058205"/>
+              <a:gd name="connsiteY53" fmla="*/ 259033 h 4079634"/>
+              <a:gd name="connsiteX54" fmla="*/ 111318 w 4058205"/>
+              <a:gd name="connsiteY54" fmla="*/ 290838 h 4079634"/>
+              <a:gd name="connsiteX55" fmla="*/ 55659 w 4058205"/>
+              <a:gd name="connsiteY55" fmla="*/ 334570 h 4079634"/>
+              <a:gd name="connsiteX56" fmla="*/ 35781 w 4058205"/>
+              <a:gd name="connsiteY56" fmla="*/ 370351 h 4079634"/>
+              <a:gd name="connsiteX57" fmla="*/ 39756 w 4058205"/>
+              <a:gd name="connsiteY57" fmla="*/ 517450 h 4079634"/>
+              <a:gd name="connsiteX58" fmla="*/ 55659 w 4058205"/>
+              <a:gd name="connsiteY58" fmla="*/ 557206 h 4079634"/>
+              <a:gd name="connsiteX59" fmla="*/ 71561 w 4058205"/>
+              <a:gd name="connsiteY59" fmla="*/ 600939 h 4079634"/>
+              <a:gd name="connsiteX60" fmla="*/ 99391 w 4058205"/>
+              <a:gd name="connsiteY60" fmla="*/ 668525 h 4079634"/>
+              <a:gd name="connsiteX61" fmla="*/ 111318 w 4058205"/>
+              <a:gd name="connsiteY61" fmla="*/ 676476 h 4079634"/>
+              <a:gd name="connsiteX62" fmla="*/ 131196 w 4058205"/>
+              <a:gd name="connsiteY62" fmla="*/ 696354 h 4079634"/>
+            </a:gdLst>
+            <a:ahLst/>
+            <a:cxnLst>
+              <a:cxn ang="0">
+                <a:pos x="connsiteX0" y="connsiteY0"/>
+              </a:cxn>
+              <a:cxn ang="0">
+                <a:pos x="connsiteX1" y="connsiteY1"/>
+              </a:cxn>
+              <a:cxn ang="0">
+                <a:pos x="connsiteX2" y="connsiteY2"/>
+              </a:cxn>
+              <a:cxn ang="0">
+                <a:pos x="connsiteX3" y="connsiteY3"/>
+              </a:cxn>
+              <a:cxn ang="0">
+                <a:pos x="connsiteX4" y="connsiteY4"/>
+              </a:cxn>
+              <a:cxn ang="0">
+                <a:pos x="connsiteX5" y="connsiteY5"/>
+              </a:cxn>
+              <a:cxn ang="0">
+                <a:pos x="connsiteX6" y="connsiteY6"/>
+              </a:cxn>
+              <a:cxn ang="0">
+                <a:pos x="connsiteX7" y="connsiteY7"/>
+              </a:cxn>
+              <a:cxn ang="0">
+                <a:pos x="connsiteX8" y="connsiteY8"/>
+              </a:cxn>
+              <a:cxn ang="0">
+                <a:pos x="connsiteX9" y="connsiteY9"/>
+              </a:cxn>
+              <a:cxn ang="0">
+                <a:pos x="connsiteX10" y="connsiteY10"/>
+              </a:cxn>
+              <a:cxn ang="0">
+                <a:pos x="connsiteX11" y="connsiteY11"/>
+              </a:cxn>
+              <a:cxn ang="0">
+                <a:pos x="connsiteX12" y="connsiteY12"/>
+              </a:cxn>
+              <a:cxn ang="0">
+                <a:pos x="connsiteX13" y="connsiteY13"/>
+              </a:cxn>
+              <a:cxn ang="0">
+                <a:pos x="connsiteX14" y="connsiteY14"/>
+              </a:cxn>
+              <a:cxn ang="0">
+                <a:pos x="connsiteX15" y="connsiteY15"/>
+              </a:cxn>
+              <a:cxn ang="0">
+                <a:pos x="connsiteX16" y="connsiteY16"/>
+              </a:cxn>
+              <a:cxn ang="0">
+                <a:pos x="connsiteX17" y="connsiteY17"/>
+              </a:cxn>
+              <a:cxn ang="0">
+                <a:pos x="connsiteX18" y="connsiteY18"/>
+              </a:cxn>
+              <a:cxn ang="0">
+                <a:pos x="connsiteX19" y="connsiteY19"/>
+              </a:cxn>
+              <a:cxn ang="0">
+                <a:pos x="connsiteX20" y="connsiteY20"/>
+              </a:cxn>
+              <a:cxn ang="0">
+                <a:pos x="connsiteX21" y="connsiteY21"/>
+              </a:cxn>
+              <a:cxn ang="0">
+                <a:pos x="connsiteX22" y="connsiteY22"/>
+              </a:cxn>
+              <a:cxn ang="0">
+                <a:pos x="connsiteX23" y="connsiteY23"/>
+              </a:cxn>
+              <a:cxn ang="0">
+                <a:pos x="connsiteX24" y="connsiteY24"/>
+              </a:cxn>
+              <a:cxn ang="0">
+                <a:pos x="connsiteX25" y="connsiteY25"/>
+              </a:cxn>
+              <a:cxn ang="0">
+                <a:pos x="connsiteX26" y="connsiteY26"/>
+              </a:cxn>
+              <a:cxn ang="0">
+                <a:pos x="connsiteX27" y="connsiteY27"/>
+              </a:cxn>
+              <a:cxn ang="0">
+                <a:pos x="connsiteX28" y="connsiteY28"/>
+              </a:cxn>
+              <a:cxn ang="0">
+                <a:pos x="connsiteX29" y="connsiteY29"/>
+              </a:cxn>
+              <a:cxn ang="0">
+                <a:pos x="connsiteX30" y="connsiteY30"/>
+              </a:cxn>
+              <a:cxn ang="0">
+                <a:pos x="connsiteX31" y="connsiteY31"/>
+              </a:cxn>
+              <a:cxn ang="0">
+                <a:pos x="connsiteX32" y="connsiteY32"/>
+              </a:cxn>
+              <a:cxn ang="0">
+                <a:pos x="connsiteX33" y="connsiteY33"/>
+              </a:cxn>
+              <a:cxn ang="0">
+                <a:pos x="connsiteX34" y="connsiteY34"/>
+              </a:cxn>
+              <a:cxn ang="0">
+                <a:pos x="connsiteX35" y="connsiteY35"/>
+              </a:cxn>
+              <a:cxn ang="0">
+                <a:pos x="connsiteX36" y="connsiteY36"/>
+              </a:cxn>
+              <a:cxn ang="0">
+                <a:pos x="connsiteX37" y="connsiteY37"/>
+              </a:cxn>
+              <a:cxn ang="0">
+                <a:pos x="connsiteX38" y="connsiteY38"/>
+              </a:cxn>
+              <a:cxn ang="0">
+                <a:pos x="connsiteX39" y="connsiteY39"/>
+              </a:cxn>
+              <a:cxn ang="0">
+                <a:pos x="connsiteX40" y="connsiteY40"/>
+              </a:cxn>
+              <a:cxn ang="0">
+                <a:pos x="connsiteX41" y="connsiteY41"/>
+              </a:cxn>
+              <a:cxn ang="0">
+                <a:pos x="connsiteX42" y="connsiteY42"/>
+              </a:cxn>
+              <a:cxn ang="0">
+                <a:pos x="connsiteX43" y="connsiteY43"/>
+              </a:cxn>
+              <a:cxn ang="0">
+                <a:pos x="connsiteX44" y="connsiteY44"/>
+              </a:cxn>
+              <a:cxn ang="0">
+                <a:pos x="connsiteX45" y="connsiteY45"/>
+              </a:cxn>
+              <a:cxn ang="0">
+                <a:pos x="connsiteX46" y="connsiteY46"/>
+              </a:cxn>
+              <a:cxn ang="0">
+                <a:pos x="connsiteX47" y="connsiteY47"/>
+              </a:cxn>
+              <a:cxn ang="0">
+                <a:pos x="connsiteX48" y="connsiteY48"/>
+              </a:cxn>
+              <a:cxn ang="0">
+                <a:pos x="connsiteX49" y="connsiteY49"/>
+              </a:cxn>
+              <a:cxn ang="0">
+                <a:pos x="connsiteX50" y="connsiteY50"/>
+              </a:cxn>
+              <a:cxn ang="0">
+                <a:pos x="connsiteX51" y="connsiteY51"/>
+              </a:cxn>
+              <a:cxn ang="0">
+                <a:pos x="connsiteX52" y="connsiteY52"/>
+              </a:cxn>
+              <a:cxn ang="0">
+                <a:pos x="connsiteX53" y="connsiteY53"/>
+              </a:cxn>
+              <a:cxn ang="0">
+                <a:pos x="connsiteX54" y="connsiteY54"/>
+              </a:cxn>
+              <a:cxn ang="0">
+                <a:pos x="connsiteX55" y="connsiteY55"/>
+              </a:cxn>
+              <a:cxn ang="0">
+                <a:pos x="connsiteX56" y="connsiteY56"/>
+              </a:cxn>
+              <a:cxn ang="0">
+                <a:pos x="connsiteX57" y="connsiteY57"/>
+              </a:cxn>
+              <a:cxn ang="0">
+                <a:pos x="connsiteX58" y="connsiteY58"/>
+              </a:cxn>
+              <a:cxn ang="0">
+                <a:pos x="connsiteX59" y="connsiteY59"/>
+              </a:cxn>
+              <a:cxn ang="0">
+                <a:pos x="connsiteX60" y="connsiteY60"/>
+              </a:cxn>
+              <a:cxn ang="0">
+                <a:pos x="connsiteX61" y="connsiteY61"/>
+              </a:cxn>
+              <a:cxn ang="0">
+                <a:pos x="connsiteX62" y="connsiteY62"/>
+              </a:cxn>
+            </a:cxnLst>
+            <a:rect l="l" t="t" r="r" b="b"/>
+            <a:pathLst>
+              <a:path w="4058205" h="4079634">
+                <a:moveTo>
+                  <a:pt x="119269" y="557206"/>
+                </a:moveTo>
+                <a:cubicBezTo>
+                  <a:pt x="148650" y="704104"/>
+                  <a:pt x="130007" y="603117"/>
+                  <a:pt x="111318" y="970674"/>
+                </a:cubicBezTo>
+                <a:cubicBezTo>
+                  <a:pt x="110024" y="996132"/>
+                  <a:pt x="99391" y="1046212"/>
+                  <a:pt x="99391" y="1046212"/>
+                </a:cubicBezTo>
+                <a:cubicBezTo>
+                  <a:pt x="95415" y="1100546"/>
+                  <a:pt x="93650" y="1155086"/>
+                  <a:pt x="87464" y="1209213"/>
+                </a:cubicBezTo>
+                <a:cubicBezTo>
+                  <a:pt x="83036" y="1247959"/>
+                  <a:pt x="73272" y="1285925"/>
+                  <a:pt x="67586" y="1324507"/>
+                </a:cubicBezTo>
+                <a:cubicBezTo>
+                  <a:pt x="54716" y="1411838"/>
+                  <a:pt x="43134" y="1499356"/>
+                  <a:pt x="31805" y="1586900"/>
+                </a:cubicBezTo>
+                <a:cubicBezTo>
+                  <a:pt x="20447" y="1674668"/>
+                  <a:pt x="44254" y="1645438"/>
+                  <a:pt x="0" y="1682316"/>
+                </a:cubicBezTo>
+                <a:cubicBezTo>
+                  <a:pt x="21203" y="1736650"/>
+                  <a:pt x="47687" y="1789209"/>
+                  <a:pt x="63610" y="1845318"/>
+                </a:cubicBezTo>
+                <a:cubicBezTo>
+                  <a:pt x="75685" y="1887869"/>
+                  <a:pt x="68495" y="1934901"/>
+                  <a:pt x="83488" y="1976514"/>
+                </a:cubicBezTo>
+                <a:cubicBezTo>
+                  <a:pt x="226655" y="2373876"/>
+                  <a:pt x="246368" y="2338271"/>
+                  <a:pt x="409492" y="2680205"/>
+                </a:cubicBezTo>
+                <a:cubicBezTo>
+                  <a:pt x="483557" y="2835458"/>
+                  <a:pt x="439340" y="2802781"/>
+                  <a:pt x="536713" y="2942598"/>
+                </a:cubicBezTo>
+                <a:cubicBezTo>
+                  <a:pt x="561440" y="2978104"/>
+                  <a:pt x="662508" y="3032923"/>
+                  <a:pt x="620201" y="3041989"/>
+                </a:cubicBezTo>
+                <a:cubicBezTo>
+                  <a:pt x="566633" y="3053468"/>
+                  <a:pt x="527436" y="2983680"/>
+                  <a:pt x="481054" y="2954525"/>
+                </a:cubicBezTo>
+                <a:cubicBezTo>
+                  <a:pt x="475753" y="2955850"/>
+                  <a:pt x="468085" y="2953890"/>
+                  <a:pt x="465151" y="2958500"/>
+                </a:cubicBezTo>
+                <a:cubicBezTo>
+                  <a:pt x="457723" y="2970173"/>
+                  <a:pt x="458239" y="2985362"/>
+                  <a:pt x="453224" y="2998257"/>
+                </a:cubicBezTo>
+                <a:cubicBezTo>
+                  <a:pt x="448928" y="3009304"/>
+                  <a:pt x="442368" y="3019337"/>
+                  <a:pt x="437321" y="3030062"/>
+                </a:cubicBezTo>
+                <a:cubicBezTo>
+                  <a:pt x="431764" y="3041872"/>
+                  <a:pt x="426720" y="3053916"/>
+                  <a:pt x="421419" y="3065843"/>
+                </a:cubicBezTo>
+                <a:cubicBezTo>
+                  <a:pt x="420094" y="3084396"/>
+                  <a:pt x="419357" y="3103000"/>
+                  <a:pt x="417443" y="3121502"/>
+                </a:cubicBezTo>
+                <a:cubicBezTo>
+                  <a:pt x="386860" y="3417139"/>
+                  <a:pt x="454299" y="3343068"/>
+                  <a:pt x="369735" y="3427627"/>
+                </a:cubicBezTo>
+                <a:cubicBezTo>
+                  <a:pt x="364437" y="3485914"/>
+                  <a:pt x="354497" y="3571972"/>
+                  <a:pt x="373711" y="3618459"/>
+                </a:cubicBezTo>
+                <a:cubicBezTo>
+                  <a:pt x="397909" y="3677003"/>
+                  <a:pt x="452438" y="3717805"/>
+                  <a:pt x="489005" y="3769533"/>
+                </a:cubicBezTo>
+                <a:cubicBezTo>
+                  <a:pt x="506847" y="3794773"/>
+                  <a:pt x="514063" y="3828014"/>
+                  <a:pt x="536713" y="3849046"/>
+                </a:cubicBezTo>
+                <a:cubicBezTo>
+                  <a:pt x="553307" y="3864455"/>
+                  <a:pt x="578805" y="3865845"/>
+                  <a:pt x="600323" y="3872900"/>
+                </a:cubicBezTo>
+                <a:cubicBezTo>
+                  <a:pt x="659669" y="3892358"/>
+                  <a:pt x="720640" y="3906927"/>
+                  <a:pt x="779228" y="3928560"/>
+                </a:cubicBezTo>
+                <a:cubicBezTo>
+                  <a:pt x="807026" y="3938824"/>
+                  <a:pt x="829750" y="3962183"/>
+                  <a:pt x="858741" y="3968316"/>
+                </a:cubicBezTo>
+                <a:cubicBezTo>
+                  <a:pt x="968755" y="3991588"/>
+                  <a:pt x="1081394" y="4000003"/>
+                  <a:pt x="1192695" y="4016024"/>
+                </a:cubicBezTo>
+                <a:cubicBezTo>
+                  <a:pt x="1436504" y="4051117"/>
+                  <a:pt x="1331484" y="4034095"/>
+                  <a:pt x="1574358" y="4079634"/>
+                </a:cubicBezTo>
+                <a:lnTo>
+                  <a:pt x="2524539" y="4039878"/>
+                </a:lnTo>
+                <a:cubicBezTo>
+                  <a:pt x="2560497" y="4038121"/>
+                  <a:pt x="2597490" y="4038596"/>
+                  <a:pt x="2631881" y="4027951"/>
+                </a:cubicBezTo>
+                <a:cubicBezTo>
+                  <a:pt x="2654704" y="4020887"/>
+                  <a:pt x="2669250" y="3996853"/>
+                  <a:pt x="2691516" y="3988194"/>
+                </a:cubicBezTo>
+                <a:cubicBezTo>
+                  <a:pt x="2741565" y="3968731"/>
+                  <a:pt x="2796265" y="3963262"/>
+                  <a:pt x="2846567" y="3944462"/>
+                </a:cubicBezTo>
+                <a:cubicBezTo>
+                  <a:pt x="3074861" y="3859140"/>
+                  <a:pt x="3042364" y="3870572"/>
+                  <a:pt x="3200400" y="3761582"/>
+                </a:cubicBezTo>
+                <a:cubicBezTo>
+                  <a:pt x="3321788" y="3541564"/>
+                  <a:pt x="3456927" y="3301068"/>
+                  <a:pt x="3542306" y="3077770"/>
+                </a:cubicBezTo>
+                <a:cubicBezTo>
+                  <a:pt x="3576762" y="2987655"/>
+                  <a:pt x="3614542" y="2898743"/>
+                  <a:pt x="3645673" y="2807426"/>
+                </a:cubicBezTo>
+                <a:cubicBezTo>
+                  <a:pt x="3654395" y="2781843"/>
+                  <a:pt x="3652200" y="2753264"/>
+                  <a:pt x="3661575" y="2727913"/>
+                </a:cubicBezTo>
+                <a:cubicBezTo>
+                  <a:pt x="3735200" y="2528815"/>
+                  <a:pt x="3919422" y="2110150"/>
+                  <a:pt x="3995530" y="1833391"/>
+                </a:cubicBezTo>
+                <a:cubicBezTo>
+                  <a:pt x="4005179" y="1798304"/>
+                  <a:pt x="4007911" y="1761657"/>
+                  <a:pt x="4015408" y="1726048"/>
+                </a:cubicBezTo>
+                <a:cubicBezTo>
+                  <a:pt x="4023818" y="1686099"/>
+                  <a:pt x="4033961" y="1646535"/>
+                  <a:pt x="4043238" y="1606779"/>
+                </a:cubicBezTo>
+                <a:cubicBezTo>
+                  <a:pt x="4063527" y="1390362"/>
+                  <a:pt x="4073556" y="1384192"/>
+                  <a:pt x="4003481" y="1081993"/>
+                </a:cubicBezTo>
+                <a:cubicBezTo>
+                  <a:pt x="3990763" y="1027146"/>
+                  <a:pt x="3954287" y="980677"/>
+                  <a:pt x="3927944" y="930918"/>
+                </a:cubicBezTo>
+                <a:cubicBezTo>
+                  <a:pt x="3899986" y="878108"/>
+                  <a:pt x="3816391" y="730434"/>
+                  <a:pt x="3776869" y="688403"/>
+                </a:cubicBezTo>
+                <a:cubicBezTo>
+                  <a:pt x="3726652" y="634997"/>
+                  <a:pt x="3670887" y="585943"/>
+                  <a:pt x="3609892" y="545280"/>
+                </a:cubicBezTo>
+                <a:cubicBezTo>
+                  <a:pt x="3507180" y="476805"/>
+                  <a:pt x="3392704" y="427571"/>
+                  <a:pt x="3287864" y="362400"/>
+                </a:cubicBezTo>
+                <a:cubicBezTo>
+                  <a:pt x="3216950" y="318318"/>
+                  <a:pt x="3146255" y="272126"/>
+                  <a:pt x="3073179" y="231203"/>
+                </a:cubicBezTo>
+                <a:cubicBezTo>
+                  <a:pt x="3049370" y="217870"/>
+                  <a:pt x="3026953" y="201580"/>
+                  <a:pt x="3001617" y="191446"/>
+                </a:cubicBezTo>
+                <a:cubicBezTo>
+                  <a:pt x="2981739" y="183495"/>
+                  <a:pt x="2961525" y="176336"/>
+                  <a:pt x="2941982" y="167593"/>
+                </a:cubicBezTo>
+                <a:cubicBezTo>
+                  <a:pt x="2865933" y="133571"/>
+                  <a:pt x="2815097" y="100422"/>
+                  <a:pt x="2731273" y="80128"/>
+                </a:cubicBezTo>
+                <a:cubicBezTo>
+                  <a:pt x="2624572" y="54295"/>
+                  <a:pt x="2413987" y="23263"/>
+                  <a:pt x="2293951" y="4591"/>
+                </a:cubicBezTo>
+                <a:cubicBezTo>
+                  <a:pt x="1830125" y="5916"/>
+                  <a:pt x="1365973" y="-8859"/>
+                  <a:pt x="902473" y="8566"/>
+                </a:cubicBezTo>
+                <a:cubicBezTo>
+                  <a:pt x="834986" y="11103"/>
+                  <a:pt x="773592" y="49576"/>
+                  <a:pt x="707666" y="64226"/>
+                </a:cubicBezTo>
+                <a:cubicBezTo>
+                  <a:pt x="570482" y="94710"/>
+                  <a:pt x="704003" y="62178"/>
+                  <a:pt x="532737" y="115909"/>
+                </a:cubicBezTo>
+                <a:cubicBezTo>
+                  <a:pt x="390486" y="160537"/>
+                  <a:pt x="479533" y="125951"/>
+                  <a:pt x="357808" y="167593"/>
+                </a:cubicBezTo>
+                <a:cubicBezTo>
+                  <a:pt x="332419" y="176279"/>
+                  <a:pt x="305932" y="182766"/>
+                  <a:pt x="282271" y="195422"/>
+                </a:cubicBezTo>
+                <a:cubicBezTo>
+                  <a:pt x="248565" y="213451"/>
+                  <a:pt x="220233" y="240403"/>
+                  <a:pt x="186855" y="259033"/>
+                </a:cubicBezTo>
+                <a:cubicBezTo>
+                  <a:pt x="162999" y="272348"/>
+                  <a:pt x="135933" y="278986"/>
+                  <a:pt x="111318" y="290838"/>
+                </a:cubicBezTo>
+                <a:cubicBezTo>
+                  <a:pt x="91687" y="300290"/>
+                  <a:pt x="68827" y="316614"/>
+                  <a:pt x="55659" y="334570"/>
+                </a:cubicBezTo>
+                <a:cubicBezTo>
+                  <a:pt x="47591" y="345573"/>
+                  <a:pt x="42407" y="358424"/>
+                  <a:pt x="35781" y="370351"/>
+                </a:cubicBezTo>
+                <a:cubicBezTo>
+                  <a:pt x="24470" y="426900"/>
+                  <a:pt x="25103" y="414882"/>
+                  <a:pt x="39756" y="517450"/>
+                </a:cubicBezTo>
+                <a:cubicBezTo>
+                  <a:pt x="41775" y="531579"/>
+                  <a:pt x="50578" y="543868"/>
+                  <a:pt x="55659" y="557206"/>
+                </a:cubicBezTo>
+                <a:cubicBezTo>
+                  <a:pt x="61181" y="571701"/>
+                  <a:pt x="66656" y="586224"/>
+                  <a:pt x="71561" y="600939"/>
+                </a:cubicBezTo>
+                <a:cubicBezTo>
+                  <a:pt x="82337" y="633267"/>
+                  <a:pt x="77113" y="635108"/>
+                  <a:pt x="99391" y="668525"/>
+                </a:cubicBezTo>
+                <a:cubicBezTo>
+                  <a:pt x="102041" y="672501"/>
+                  <a:pt x="107722" y="673330"/>
+                  <a:pt x="111318" y="676476"/>
+                </a:cubicBezTo>
+                <a:cubicBezTo>
+                  <a:pt x="118370" y="682647"/>
+                  <a:pt x="124570" y="689728"/>
+                  <a:pt x="131196" y="696354"/>
+                </a:cubicBezTo>
+              </a:path>
+            </a:pathLst>
+          </a:custGeom>
+          <a:noFill/>
+          <a:ln w="28575">
+            <a:solidFill>
+              <a:srgbClr val="0070C0"/>
+            </a:solidFill>
+          </a:ln>
+        </p:spPr>
+        <p:style>
+          <a:lnRef idx="2">
+            <a:schemeClr val="accent1">
+              <a:shade val="50000"/>
+            </a:schemeClr>
+          </a:lnRef>
+          <a:fillRef idx="1">
+            <a:schemeClr val="accent1"/>
+          </a:fillRef>
+          <a:effectRef idx="0">
+            <a:schemeClr val="accent1"/>
+          </a:effectRef>
+          <a:fontRef idx="minor">
+            <a:schemeClr val="lt1"/>
+          </a:fontRef>
+        </p:style>
+        <p:txBody>
+          <a:bodyPr rtlCol="0" anchor="ctr"/>
+          <a:lstStyle/>
+          <a:p>
+            <a:pPr algn="ctr"/>
+            <a:endParaRPr lang="en-US"/>
+          </a:p>
+        </p:txBody>
+      </p:sp>
+      <p:sp>
+        <p:nvSpPr>
+          <p:cNvPr id="7" name="TextBox 6">
+            <a:extLst>
+              <a:ext uri="{FF2B5EF4-FFF2-40B4-BE49-F238E27FC236}">
+                <a16:creationId xmlns:a16="http://schemas.microsoft.com/office/drawing/2014/main" id="{F708DC52-FB38-4F25-8F0B-02702406A535}"/>
+              </a:ext>
+            </a:extLst>
+          </p:cNvPr>
+          <p:cNvSpPr txBox="1"/>
+          <p:nvPr/>
+        </p:nvSpPr>
+        <p:spPr>
+          <a:xfrm>
+            <a:off x="6271103" y="2553828"/>
+            <a:ext cx="1027845" cy="369332"/>
+          </a:xfrm>
+          <a:prstGeom prst="rect">
+            <a:avLst/>
+          </a:prstGeom>
+          <a:noFill/>
+        </p:spPr>
+        <p:txBody>
+          <a:bodyPr wrap="none" rtlCol="0">
+            <a:spAutoFit/>
+          </a:bodyPr>
+          <a:lstStyle/>
+          <a:p>
+            <a:r>
+              <a:rPr lang="en-US" dirty="0" err="1"/>
+              <a:t>LabChart</a:t>
+            </a:r>
+            <a:endParaRPr lang="en-US" dirty="0"/>
+          </a:p>
+        </p:txBody>
+      </p:sp>
+      <p:sp>
+        <p:nvSpPr>
+          <p:cNvPr id="11" name="TextBox 10">
+            <a:extLst>
+              <a:ext uri="{FF2B5EF4-FFF2-40B4-BE49-F238E27FC236}">
+                <a16:creationId xmlns:a16="http://schemas.microsoft.com/office/drawing/2014/main" id="{7D691C56-4BD9-4D6E-B492-F47996353E46}"/>
+              </a:ext>
+            </a:extLst>
+          </p:cNvPr>
+          <p:cNvSpPr txBox="1"/>
+          <p:nvPr/>
+        </p:nvSpPr>
+        <p:spPr>
+          <a:xfrm>
+            <a:off x="6329238" y="3538119"/>
+            <a:ext cx="1529586" cy="369332"/>
+          </a:xfrm>
+          <a:prstGeom prst="rect">
+            <a:avLst/>
+          </a:prstGeom>
+          <a:noFill/>
+        </p:spPr>
+        <p:txBody>
+          <a:bodyPr wrap="none" rtlCol="0">
+            <a:spAutoFit/>
+          </a:bodyPr>
+          <a:lstStyle/>
+          <a:p>
+            <a:r>
+              <a:rPr lang="en-US" dirty="0" err="1"/>
+              <a:t>MultiLabChart</a:t>
+            </a:r>
+            <a:endParaRPr lang="en-US" dirty="0"/>
+          </a:p>
+        </p:txBody>
+      </p:sp>
+      <p:cxnSp>
+        <p:nvCxnSpPr>
+          <p:cNvPr id="13" name="Straight Arrow Connector 12">
+            <a:extLst>
+              <a:ext uri="{FF2B5EF4-FFF2-40B4-BE49-F238E27FC236}">
+                <a16:creationId xmlns:a16="http://schemas.microsoft.com/office/drawing/2014/main" id="{05DFB536-D995-422F-9010-AB06778088F3}"/>
+              </a:ext>
+            </a:extLst>
+          </p:cNvPr>
+          <p:cNvCxnSpPr>
+            <a:stCxn id="7" idx="1"/>
+          </p:cNvCxnSpPr>
+          <p:nvPr/>
+        </p:nvCxnSpPr>
+        <p:spPr>
+          <a:xfrm flipH="1">
+            <a:off x="4890052" y="2738494"/>
+            <a:ext cx="1381051" cy="0"/>
+          </a:xfrm>
+          <a:prstGeom prst="straightConnector1">
+            <a:avLst/>
+          </a:prstGeom>
+          <a:ln w="12700">
+            <a:solidFill>
+              <a:srgbClr val="FF0000"/>
+            </a:solidFill>
+            <a:tailEnd type="triangle"/>
+          </a:ln>
+        </p:spPr>
+        <p:style>
+          <a:lnRef idx="1">
+            <a:schemeClr val="accent1"/>
+          </a:lnRef>
+          <a:fillRef idx="0">
+            <a:schemeClr val="accent1"/>
+          </a:fillRef>
+          <a:effectRef idx="0">
+            <a:schemeClr val="accent1"/>
+          </a:effectRef>
+          <a:fontRef idx="minor">
+            <a:schemeClr val="tx1"/>
+          </a:fontRef>
+        </p:style>
+      </p:cxnSp>
+      <p:cxnSp>
+        <p:nvCxnSpPr>
+          <p:cNvPr id="15" name="Straight Arrow Connector 14">
+            <a:extLst>
+              <a:ext uri="{FF2B5EF4-FFF2-40B4-BE49-F238E27FC236}">
+                <a16:creationId xmlns:a16="http://schemas.microsoft.com/office/drawing/2014/main" id="{DEF61801-0533-4217-BE13-78CC66CF2DFF}"/>
+              </a:ext>
+            </a:extLst>
+          </p:cNvPr>
+          <p:cNvCxnSpPr>
+            <a:stCxn id="11" idx="1"/>
+            <a:endCxn id="5" idx="35"/>
+          </p:cNvCxnSpPr>
+          <p:nvPr/>
+        </p:nvCxnSpPr>
+        <p:spPr>
+          <a:xfrm flipH="1" flipV="1">
+            <a:off x="5542059" y="3705308"/>
+            <a:ext cx="787179" cy="17477"/>
+          </a:xfrm>
+          <a:prstGeom prst="straightConnector1">
+            <a:avLst/>
+          </a:prstGeom>
+          <a:ln w="12700">
+            <a:tailEnd type="triangle"/>
+          </a:ln>
+        </p:spPr>
+        <p:style>
+          <a:lnRef idx="1">
+            <a:schemeClr val="accent1"/>
+          </a:lnRef>
+          <a:fillRef idx="0">
+            <a:schemeClr val="accent1"/>
+          </a:fillRef>
+          <a:effectRef idx="0">
+            <a:schemeClr val="accent1"/>
+          </a:effectRef>
+          <a:fontRef idx="minor">
+            <a:schemeClr val="tx1"/>
+          </a:fontRef>
+        </p:style>
+      </p:cxnSp>
+    </p:spTree>
+    <p:extLst>
+      <p:ext uri="{BB962C8B-B14F-4D97-AF65-F5344CB8AC3E}">
+        <p14:creationId xmlns:p14="http://schemas.microsoft.com/office/powerpoint/2010/main" val="1762522799"/>
+      </p:ext>
+    </p:extLst>
+  </p:cSld>
+  <p:clrMapOvr>
+    <a:masterClrMapping/>
+  </p:clrMapOvr>
+</p:sld>
+</file>
+
+<file path=ppt/slides/slide28.xml><?xml version="1.0" encoding="utf-8"?>
+<p:sld xmlns:a="http://schemas.openxmlformats.org/drawingml/2006/main" xmlns:r="http://schemas.openxmlformats.org/officeDocument/2006/relationships" xmlns:p="http://schemas.openxmlformats.org/presentationml/2006/main">
+  <p:cSld>
+    <p:spTree>
+      <p:nvGrpSpPr>
+        <p:cNvPr id="1" name=""/>
+        <p:cNvGrpSpPr/>
+        <p:nvPr/>
+      </p:nvGrpSpPr>
+      <p:grpSpPr>
+        <a:xfrm>
+          <a:off x="0" y="0"/>
+          <a:ext cx="0" cy="0"/>
+          <a:chOff x="0" y="0"/>
+          <a:chExt cx="0" cy="0"/>
+        </a:xfrm>
+      </p:grpSpPr>
+      <p:sp>
+        <p:nvSpPr>
           <p:cNvPr id="4" name="Slide Number Placeholder 3">
             <a:extLst>
               <a:ext uri="{FF2B5EF4-FFF2-40B4-BE49-F238E27FC236}">
@@ -33122,7 +35028,7 @@
             <a:fld id="{47547CF9-5B10-D24F-A8D7-45A9778164F7}" type="slidenum">
               <a:rPr lang="uk-UA" smtClean="0"/>
               <a:pPr/>
-              <a:t>27</a:t>
+              <a:t>28</a:t>
             </a:fld>
             <a:endParaRPr lang="uk-UA" dirty="0"/>
           </a:p>
@@ -33897,7 +35803,7 @@
 </p:sld>
 </file>
 
-<file path=ppt/slides/slide28.xml><?xml version="1.0" encoding="utf-8"?>
+<file path=ppt/slides/slide29.xml><?xml version="1.0" encoding="utf-8"?>
 <p:sld xmlns:a="http://schemas.openxmlformats.org/drawingml/2006/main" xmlns:r="http://schemas.openxmlformats.org/officeDocument/2006/relationships" xmlns:p="http://schemas.openxmlformats.org/presentationml/2006/main">
   <p:cSld>
     <p:spTree>
@@ -33966,7 +35872,7 @@
             <a:fld id="{47547CF9-5B10-D24F-A8D7-45A9778164F7}" type="slidenum">
               <a:rPr lang="uk-UA" smtClean="0"/>
               <a:pPr/>
-              <a:t>28</a:t>
+              <a:t>29</a:t>
             </a:fld>
             <a:endParaRPr lang="uk-UA" dirty="0"/>
           </a:p>
@@ -34020,7 +35926,358 @@
 </p:sld>
 </file>
 
-<file path=ppt/slides/slide29.xml><?xml version="1.0" encoding="utf-8"?>
+<file path=ppt/slides/slide3.xml><?xml version="1.0" encoding="utf-8"?>
+<p:sld xmlns:a="http://schemas.openxmlformats.org/drawingml/2006/main" xmlns:r="http://schemas.openxmlformats.org/officeDocument/2006/relationships" xmlns:p="http://schemas.openxmlformats.org/presentationml/2006/main">
+  <p:cSld>
+    <p:bg>
+      <p:bgPr>
+        <a:solidFill>
+          <a:schemeClr val="bg1"/>
+        </a:solidFill>
+        <a:effectLst/>
+      </p:bgPr>
+    </p:bg>
+    <p:spTree>
+      <p:nvGrpSpPr>
+        <p:cNvPr id="1" name=""/>
+        <p:cNvGrpSpPr/>
+        <p:nvPr/>
+      </p:nvGrpSpPr>
+      <p:grpSpPr>
+        <a:xfrm>
+          <a:off x="0" y="0"/>
+          <a:ext cx="0" cy="0"/>
+          <a:chOff x="0" y="0"/>
+          <a:chExt cx="0" cy="0"/>
+        </a:xfrm>
+      </p:grpSpPr>
+      <p:sp>
+        <p:nvSpPr>
+          <p:cNvPr id="10" name="Rectangle 9">
+            <a:extLst>
+              <a:ext uri="{FF2B5EF4-FFF2-40B4-BE49-F238E27FC236}">
+                <a16:creationId xmlns:a16="http://schemas.microsoft.com/office/drawing/2014/main" id="{488333BA-AE6E-427A-9B16-A39C8073F4EB}"/>
+              </a:ext>
+              <a:ext uri="{C183D7F6-B498-43B3-948B-1728B52AA6E4}">
+                <adec:decorative xmlns:adec="http://schemas.microsoft.com/office/drawing/2017/decorative" val="1"/>
+              </a:ext>
+            </a:extLst>
+          </p:cNvPr>
+          <p:cNvSpPr>
+            <a:spLocks noGrp="1" noRot="1" noChangeAspect="1" noMove="1" noResize="1" noEditPoints="1" noAdjustHandles="1" noChangeArrowheads="1" noChangeShapeType="1" noTextEdit="1"/>
+          </p:cNvSpPr>
+          <p:nvPr>
+            <p:extLst>
+              <p:ext uri="{386F3935-93C4-4BCD-93E2-E3B085C9AB24}">
+                <p16:designElem xmlns:p16="http://schemas.microsoft.com/office/powerpoint/2015/main" val="1"/>
+              </p:ext>
+            </p:extLst>
+          </p:nvPr>
+        </p:nvSpPr>
+        <p:spPr>
+          <a:xfrm>
+            <a:off x="0" y="0"/>
+            <a:ext cx="12188952" cy="6858000"/>
+          </a:xfrm>
+          <a:prstGeom prst="rect">
+            <a:avLst/>
+          </a:prstGeom>
+          <a:solidFill>
+            <a:schemeClr val="tx1">
+              <a:lumMod val="75000"/>
+              <a:lumOff val="25000"/>
+            </a:schemeClr>
+          </a:solidFill>
+          <a:ln>
+            <a:noFill/>
+          </a:ln>
+        </p:spPr>
+        <p:style>
+          <a:lnRef idx="2">
+            <a:schemeClr val="accent1">
+              <a:shade val="50000"/>
+            </a:schemeClr>
+          </a:lnRef>
+          <a:fillRef idx="1">
+            <a:schemeClr val="accent1"/>
+          </a:fillRef>
+          <a:effectRef idx="0">
+            <a:schemeClr val="accent1"/>
+          </a:effectRef>
+          <a:fontRef idx="minor">
+            <a:schemeClr val="lt1"/>
+          </a:fontRef>
+        </p:style>
+        <p:txBody>
+          <a:bodyPr rtlCol="0" anchor="ctr"/>
+          <a:lstStyle/>
+          <a:p>
+            <a:pPr algn="ctr"/>
+            <a:endParaRPr lang="en-US"/>
+          </a:p>
+        </p:txBody>
+      </p:sp>
+      <p:sp>
+        <p:nvSpPr>
+          <p:cNvPr id="12" name="Rectangle 11">
+            <a:extLst>
+              <a:ext uri="{FF2B5EF4-FFF2-40B4-BE49-F238E27FC236}">
+                <a16:creationId xmlns:a16="http://schemas.microsoft.com/office/drawing/2014/main" id="{F98ED85F-DCEE-4B50-802E-71A6E3E12B04}"/>
+              </a:ext>
+              <a:ext uri="{C183D7F6-B498-43B3-948B-1728B52AA6E4}">
+                <adec:decorative xmlns:adec="http://schemas.microsoft.com/office/drawing/2017/decorative" val="1"/>
+              </a:ext>
+            </a:extLst>
+          </p:cNvPr>
+          <p:cNvSpPr>
+            <a:spLocks noGrp="1" noRot="1" noChangeAspect="1" noMove="1" noResize="1" noEditPoints="1" noAdjustHandles="1" noChangeArrowheads="1" noChangeShapeType="1" noTextEdit="1"/>
+          </p:cNvSpPr>
+          <p:nvPr>
+            <p:extLst>
+              <p:ext uri="{386F3935-93C4-4BCD-93E2-E3B085C9AB24}">
+                <p16:designElem xmlns:p16="http://schemas.microsoft.com/office/powerpoint/2015/main" val="1"/>
+              </p:ext>
+            </p:extLst>
+          </p:nvPr>
+        </p:nvSpPr>
+        <p:spPr bwMode="ltGray">
+          <a:xfrm>
+            <a:off x="321564" y="320040"/>
+            <a:ext cx="11548872" cy="6217920"/>
+          </a:xfrm>
+          <a:prstGeom prst="rect">
+            <a:avLst/>
+          </a:prstGeom>
+          <a:solidFill>
+            <a:schemeClr val="bg1"/>
+          </a:solidFill>
+          <a:ln w="127000" cap="sq" cmpd="thinThick">
+            <a:solidFill>
+              <a:schemeClr val="bg1"/>
+            </a:solidFill>
+          </a:ln>
+        </p:spPr>
+        <p:style>
+          <a:lnRef idx="2">
+            <a:schemeClr val="accent1">
+              <a:shade val="50000"/>
+            </a:schemeClr>
+          </a:lnRef>
+          <a:fillRef idx="1">
+            <a:schemeClr val="accent1"/>
+          </a:fillRef>
+          <a:effectRef idx="0">
+            <a:schemeClr val="accent1"/>
+          </a:effectRef>
+          <a:fontRef idx="minor">
+            <a:schemeClr val="lt1"/>
+          </a:fontRef>
+        </p:style>
+        <p:txBody>
+          <a:bodyPr rtlCol="0" anchor="ctr"/>
+          <a:lstStyle/>
+          <a:p>
+            <a:pPr algn="ctr"/>
+            <a:endParaRPr lang="en-US"/>
+          </a:p>
+        </p:txBody>
+      </p:sp>
+      <p:sp>
+        <p:nvSpPr>
+          <p:cNvPr id="2" name="Title 1">
+            <a:extLst>
+              <a:ext uri="{FF2B5EF4-FFF2-40B4-BE49-F238E27FC236}">
+                <a16:creationId xmlns:a16="http://schemas.microsoft.com/office/drawing/2014/main" id="{471F811A-E2D1-4D31-8087-AF3FC601B4EF}"/>
+              </a:ext>
+            </a:extLst>
+          </p:cNvPr>
+          <p:cNvSpPr>
+            <a:spLocks noGrp="1"/>
+          </p:cNvSpPr>
+          <p:nvPr>
+            <p:ph type="title"/>
+          </p:nvPr>
+        </p:nvSpPr>
+        <p:spPr>
+          <a:xfrm>
+            <a:off x="838200" y="631825"/>
+            <a:ext cx="10515600" cy="1325563"/>
+          </a:xfrm>
+        </p:spPr>
+        <p:txBody>
+          <a:bodyPr>
+            <a:normAutofit/>
+          </a:bodyPr>
+          <a:lstStyle/>
+          <a:p>
+            <a:r>
+              <a:rPr lang="en-US" dirty="0"/>
+              <a:t>Instructor Bio: David Hall</a:t>
+            </a:r>
+          </a:p>
+        </p:txBody>
+      </p:sp>
+      <p:sp>
+        <p:nvSpPr>
+          <p:cNvPr id="3" name="Content Placeholder 2">
+            <a:extLst>
+              <a:ext uri="{FF2B5EF4-FFF2-40B4-BE49-F238E27FC236}">
+                <a16:creationId xmlns:a16="http://schemas.microsoft.com/office/drawing/2014/main" id="{FAEF2FDE-26AF-4488-89D9-2CE0408AD690}"/>
+              </a:ext>
+            </a:extLst>
+          </p:cNvPr>
+          <p:cNvSpPr>
+            <a:spLocks noGrp="1"/>
+          </p:cNvSpPr>
+          <p:nvPr>
+            <p:ph idx="1"/>
+          </p:nvPr>
+        </p:nvSpPr>
+        <p:spPr>
+          <a:xfrm>
+            <a:off x="838200" y="2057400"/>
+            <a:ext cx="10515600" cy="3871762"/>
+          </a:xfrm>
+        </p:spPr>
+        <p:txBody>
+          <a:bodyPr>
+            <a:normAutofit/>
+          </a:bodyPr>
+          <a:lstStyle/>
+          <a:p>
+            <a:r>
+              <a:rPr lang="en-US" sz="2400"/>
+              <a:t>Director Data Science, Novartis</a:t>
+            </a:r>
+          </a:p>
+          <a:p>
+            <a:pPr lvl="1"/>
+            <a:r>
+              <a:rPr lang="en-US" dirty="0"/>
+              <a:t>Visual analytic apps and APIs (R/Shiny, JavaScript, Java, Python)</a:t>
+            </a:r>
+          </a:p>
+          <a:p>
+            <a:pPr lvl="1"/>
+            <a:r>
+              <a:rPr lang="en-US" dirty="0"/>
+              <a:t>General data science</a:t>
+            </a:r>
+          </a:p>
+          <a:p>
+            <a:r>
+              <a:rPr lang="en-US" sz="2400"/>
+              <a:t>Previous companies</a:t>
+            </a:r>
+          </a:p>
+          <a:p>
+            <a:pPr lvl="1"/>
+            <a:r>
+              <a:rPr lang="en-US" dirty="0"/>
+              <a:t>Rho (CRO)</a:t>
+            </a:r>
+          </a:p>
+          <a:p>
+            <a:pPr lvl="1"/>
+            <a:r>
+              <a:rPr lang="en-US" dirty="0"/>
+              <a:t>Syngenta (Agricultural biotechnology)</a:t>
+            </a:r>
+          </a:p>
+          <a:p>
+            <a:pPr lvl="1"/>
+            <a:r>
+              <a:rPr lang="en-US"/>
+              <a:t>Peopleclick</a:t>
+            </a:r>
+            <a:r>
+              <a:rPr lang="en-US" dirty="0"/>
+              <a:t> (Software)</a:t>
+            </a:r>
+          </a:p>
+          <a:p>
+            <a:pPr lvl="1"/>
+            <a:r>
+              <a:rPr lang="en-US" dirty="0"/>
+              <a:t>RTI International (CRO)</a:t>
+            </a:r>
+          </a:p>
+        </p:txBody>
+      </p:sp>
+      <p:sp>
+        <p:nvSpPr>
+          <p:cNvPr id="5" name="Slide Number Placeholder 4">
+            <a:extLst>
+              <a:ext uri="{FF2B5EF4-FFF2-40B4-BE49-F238E27FC236}">
+                <a16:creationId xmlns:a16="http://schemas.microsoft.com/office/drawing/2014/main" id="{B28626CD-C148-415E-ABA3-F6280F8EF114}"/>
+              </a:ext>
+            </a:extLst>
+          </p:cNvPr>
+          <p:cNvSpPr>
+            <a:spLocks noGrp="1"/>
+          </p:cNvSpPr>
+          <p:nvPr>
+            <p:ph type="sldNum" sz="quarter" idx="11"/>
+          </p:nvPr>
+        </p:nvSpPr>
+        <p:spPr>
+          <a:xfrm>
+            <a:off x="8610600" y="6077585"/>
+            <a:ext cx="2743200" cy="365125"/>
+          </a:xfrm>
+        </p:spPr>
+        <p:txBody>
+          <a:bodyPr>
+            <a:normAutofit/>
+          </a:bodyPr>
+          <a:lstStyle/>
+          <a:p>
+            <a:pPr>
+              <a:spcAft>
+                <a:spcPts val="600"/>
+              </a:spcAft>
+            </a:pPr>
+            <a:fld id="{47547CF9-5B10-D24F-A8D7-45A9778164F7}" type="slidenum">
+              <a:rPr lang="uk-UA">
+                <a:solidFill>
+                  <a:schemeClr val="tx1">
+                    <a:lumMod val="75000"/>
+                    <a:lumOff val="25000"/>
+                  </a:schemeClr>
+                </a:solidFill>
+              </a:rPr>
+              <a:pPr>
+                <a:spcAft>
+                  <a:spcPts val="600"/>
+                </a:spcAft>
+              </a:pPr>
+              <a:t>3</a:t>
+            </a:fld>
+            <a:endParaRPr lang="uk-UA">
+              <a:solidFill>
+                <a:schemeClr val="tx1">
+                  <a:lumMod val="75000"/>
+                  <a:lumOff val="25000"/>
+                </a:schemeClr>
+              </a:solidFill>
+            </a:endParaRPr>
+          </a:p>
+        </p:txBody>
+      </p:sp>
+    </p:spTree>
+    <p:extLst>
+      <p:ext uri="{BB962C8B-B14F-4D97-AF65-F5344CB8AC3E}">
+        <p14:creationId xmlns:p14="http://schemas.microsoft.com/office/powerpoint/2010/main" val="484642357"/>
+      </p:ext>
+    </p:extLst>
+  </p:cSld>
+  <p:clrMapOvr>
+    <a:masterClrMapping/>
+  </p:clrMapOvr>
+</p:sld>
+</file>
+
+<file path=ppt/slides/slide30.xml><?xml version="1.0" encoding="utf-8"?>
 <p:sld xmlns:a="http://schemas.openxmlformats.org/drawingml/2006/main" xmlns:r="http://schemas.openxmlformats.org/officeDocument/2006/relationships" xmlns:p="http://schemas.openxmlformats.org/presentationml/2006/main">
   <p:cSld>
     <p:bg>
@@ -34266,7 +36523,7 @@
                   <a:spcPts val="600"/>
                 </a:spcAft>
               </a:pPr>
-              <a:t>29</a:t>
+              <a:t>30</a:t>
             </a:fld>
             <a:endParaRPr lang="uk-UA">
               <a:solidFill>
@@ -35296,358 +37553,7 @@
 </p:sld>
 </file>
 
-<file path=ppt/slides/slide3.xml><?xml version="1.0" encoding="utf-8"?>
-<p:sld xmlns:a="http://schemas.openxmlformats.org/drawingml/2006/main" xmlns:r="http://schemas.openxmlformats.org/officeDocument/2006/relationships" xmlns:p="http://schemas.openxmlformats.org/presentationml/2006/main">
-  <p:cSld>
-    <p:bg>
-      <p:bgPr>
-        <a:solidFill>
-          <a:schemeClr val="bg1"/>
-        </a:solidFill>
-        <a:effectLst/>
-      </p:bgPr>
-    </p:bg>
-    <p:spTree>
-      <p:nvGrpSpPr>
-        <p:cNvPr id="1" name=""/>
-        <p:cNvGrpSpPr/>
-        <p:nvPr/>
-      </p:nvGrpSpPr>
-      <p:grpSpPr>
-        <a:xfrm>
-          <a:off x="0" y="0"/>
-          <a:ext cx="0" cy="0"/>
-          <a:chOff x="0" y="0"/>
-          <a:chExt cx="0" cy="0"/>
-        </a:xfrm>
-      </p:grpSpPr>
-      <p:sp>
-        <p:nvSpPr>
-          <p:cNvPr id="10" name="Rectangle 9">
-            <a:extLst>
-              <a:ext uri="{FF2B5EF4-FFF2-40B4-BE49-F238E27FC236}">
-                <a16:creationId xmlns:a16="http://schemas.microsoft.com/office/drawing/2014/main" id="{488333BA-AE6E-427A-9B16-A39C8073F4EB}"/>
-              </a:ext>
-              <a:ext uri="{C183D7F6-B498-43B3-948B-1728B52AA6E4}">
-                <adec:decorative xmlns:adec="http://schemas.microsoft.com/office/drawing/2017/decorative" val="1"/>
-              </a:ext>
-            </a:extLst>
-          </p:cNvPr>
-          <p:cNvSpPr>
-            <a:spLocks noGrp="1" noRot="1" noChangeAspect="1" noMove="1" noResize="1" noEditPoints="1" noAdjustHandles="1" noChangeArrowheads="1" noChangeShapeType="1" noTextEdit="1"/>
-          </p:cNvSpPr>
-          <p:nvPr>
-            <p:extLst>
-              <p:ext uri="{386F3935-93C4-4BCD-93E2-E3B085C9AB24}">
-                <p16:designElem xmlns:p16="http://schemas.microsoft.com/office/powerpoint/2015/main" val="1"/>
-              </p:ext>
-            </p:extLst>
-          </p:nvPr>
-        </p:nvSpPr>
-        <p:spPr>
-          <a:xfrm>
-            <a:off x="0" y="0"/>
-            <a:ext cx="12188952" cy="6858000"/>
-          </a:xfrm>
-          <a:prstGeom prst="rect">
-            <a:avLst/>
-          </a:prstGeom>
-          <a:solidFill>
-            <a:schemeClr val="tx1">
-              <a:lumMod val="75000"/>
-              <a:lumOff val="25000"/>
-            </a:schemeClr>
-          </a:solidFill>
-          <a:ln>
-            <a:noFill/>
-          </a:ln>
-        </p:spPr>
-        <p:style>
-          <a:lnRef idx="2">
-            <a:schemeClr val="accent1">
-              <a:shade val="50000"/>
-            </a:schemeClr>
-          </a:lnRef>
-          <a:fillRef idx="1">
-            <a:schemeClr val="accent1"/>
-          </a:fillRef>
-          <a:effectRef idx="0">
-            <a:schemeClr val="accent1"/>
-          </a:effectRef>
-          <a:fontRef idx="minor">
-            <a:schemeClr val="lt1"/>
-          </a:fontRef>
-        </p:style>
-        <p:txBody>
-          <a:bodyPr rtlCol="0" anchor="ctr"/>
-          <a:lstStyle/>
-          <a:p>
-            <a:pPr algn="ctr"/>
-            <a:endParaRPr lang="en-US"/>
-          </a:p>
-        </p:txBody>
-      </p:sp>
-      <p:sp>
-        <p:nvSpPr>
-          <p:cNvPr id="12" name="Rectangle 11">
-            <a:extLst>
-              <a:ext uri="{FF2B5EF4-FFF2-40B4-BE49-F238E27FC236}">
-                <a16:creationId xmlns:a16="http://schemas.microsoft.com/office/drawing/2014/main" id="{F98ED85F-DCEE-4B50-802E-71A6E3E12B04}"/>
-              </a:ext>
-              <a:ext uri="{C183D7F6-B498-43B3-948B-1728B52AA6E4}">
-                <adec:decorative xmlns:adec="http://schemas.microsoft.com/office/drawing/2017/decorative" val="1"/>
-              </a:ext>
-            </a:extLst>
-          </p:cNvPr>
-          <p:cNvSpPr>
-            <a:spLocks noGrp="1" noRot="1" noChangeAspect="1" noMove="1" noResize="1" noEditPoints="1" noAdjustHandles="1" noChangeArrowheads="1" noChangeShapeType="1" noTextEdit="1"/>
-          </p:cNvSpPr>
-          <p:nvPr>
-            <p:extLst>
-              <p:ext uri="{386F3935-93C4-4BCD-93E2-E3B085C9AB24}">
-                <p16:designElem xmlns:p16="http://schemas.microsoft.com/office/powerpoint/2015/main" val="1"/>
-              </p:ext>
-            </p:extLst>
-          </p:nvPr>
-        </p:nvSpPr>
-        <p:spPr bwMode="ltGray">
-          <a:xfrm>
-            <a:off x="321564" y="320040"/>
-            <a:ext cx="11548872" cy="6217920"/>
-          </a:xfrm>
-          <a:prstGeom prst="rect">
-            <a:avLst/>
-          </a:prstGeom>
-          <a:solidFill>
-            <a:schemeClr val="bg1"/>
-          </a:solidFill>
-          <a:ln w="127000" cap="sq" cmpd="thinThick">
-            <a:solidFill>
-              <a:schemeClr val="bg1"/>
-            </a:solidFill>
-          </a:ln>
-        </p:spPr>
-        <p:style>
-          <a:lnRef idx="2">
-            <a:schemeClr val="accent1">
-              <a:shade val="50000"/>
-            </a:schemeClr>
-          </a:lnRef>
-          <a:fillRef idx="1">
-            <a:schemeClr val="accent1"/>
-          </a:fillRef>
-          <a:effectRef idx="0">
-            <a:schemeClr val="accent1"/>
-          </a:effectRef>
-          <a:fontRef idx="minor">
-            <a:schemeClr val="lt1"/>
-          </a:fontRef>
-        </p:style>
-        <p:txBody>
-          <a:bodyPr rtlCol="0" anchor="ctr"/>
-          <a:lstStyle/>
-          <a:p>
-            <a:pPr algn="ctr"/>
-            <a:endParaRPr lang="en-US"/>
-          </a:p>
-        </p:txBody>
-      </p:sp>
-      <p:sp>
-        <p:nvSpPr>
-          <p:cNvPr id="2" name="Title 1">
-            <a:extLst>
-              <a:ext uri="{FF2B5EF4-FFF2-40B4-BE49-F238E27FC236}">
-                <a16:creationId xmlns:a16="http://schemas.microsoft.com/office/drawing/2014/main" id="{471F811A-E2D1-4D31-8087-AF3FC601B4EF}"/>
-              </a:ext>
-            </a:extLst>
-          </p:cNvPr>
-          <p:cNvSpPr>
-            <a:spLocks noGrp="1"/>
-          </p:cNvSpPr>
-          <p:nvPr>
-            <p:ph type="title"/>
-          </p:nvPr>
-        </p:nvSpPr>
-        <p:spPr>
-          <a:xfrm>
-            <a:off x="838200" y="631825"/>
-            <a:ext cx="10515600" cy="1325563"/>
-          </a:xfrm>
-        </p:spPr>
-        <p:txBody>
-          <a:bodyPr>
-            <a:normAutofit/>
-          </a:bodyPr>
-          <a:lstStyle/>
-          <a:p>
-            <a:r>
-              <a:rPr lang="en-US" dirty="0"/>
-              <a:t>Instructor Bio: David Hall</a:t>
-            </a:r>
-          </a:p>
-        </p:txBody>
-      </p:sp>
-      <p:sp>
-        <p:nvSpPr>
-          <p:cNvPr id="3" name="Content Placeholder 2">
-            <a:extLst>
-              <a:ext uri="{FF2B5EF4-FFF2-40B4-BE49-F238E27FC236}">
-                <a16:creationId xmlns:a16="http://schemas.microsoft.com/office/drawing/2014/main" id="{FAEF2FDE-26AF-4488-89D9-2CE0408AD690}"/>
-              </a:ext>
-            </a:extLst>
-          </p:cNvPr>
-          <p:cNvSpPr>
-            <a:spLocks noGrp="1"/>
-          </p:cNvSpPr>
-          <p:nvPr>
-            <p:ph idx="1"/>
-          </p:nvPr>
-        </p:nvSpPr>
-        <p:spPr>
-          <a:xfrm>
-            <a:off x="838200" y="2057400"/>
-            <a:ext cx="10515600" cy="3871762"/>
-          </a:xfrm>
-        </p:spPr>
-        <p:txBody>
-          <a:bodyPr>
-            <a:normAutofit/>
-          </a:bodyPr>
-          <a:lstStyle/>
-          <a:p>
-            <a:r>
-              <a:rPr lang="en-US" sz="2400"/>
-              <a:t>Director Data Science, Novartis</a:t>
-            </a:r>
-          </a:p>
-          <a:p>
-            <a:pPr lvl="1"/>
-            <a:r>
-              <a:rPr lang="en-US" dirty="0"/>
-              <a:t>Visual analytic apps and APIs (R/Shiny, JavaScript, Java, Python)</a:t>
-            </a:r>
-          </a:p>
-          <a:p>
-            <a:pPr lvl="1"/>
-            <a:r>
-              <a:rPr lang="en-US" dirty="0"/>
-              <a:t>General data science</a:t>
-            </a:r>
-          </a:p>
-          <a:p>
-            <a:r>
-              <a:rPr lang="en-US" sz="2400"/>
-              <a:t>Previous companies</a:t>
-            </a:r>
-          </a:p>
-          <a:p>
-            <a:pPr lvl="1"/>
-            <a:r>
-              <a:rPr lang="en-US" dirty="0"/>
-              <a:t>Rho (CRO)</a:t>
-            </a:r>
-          </a:p>
-          <a:p>
-            <a:pPr lvl="1"/>
-            <a:r>
-              <a:rPr lang="en-US" dirty="0"/>
-              <a:t>Syngenta (Agricultural biotechnology)</a:t>
-            </a:r>
-          </a:p>
-          <a:p>
-            <a:pPr lvl="1"/>
-            <a:r>
-              <a:rPr lang="en-US"/>
-              <a:t>Peopleclick</a:t>
-            </a:r>
-            <a:r>
-              <a:rPr lang="en-US" dirty="0"/>
-              <a:t> (Software)</a:t>
-            </a:r>
-          </a:p>
-          <a:p>
-            <a:pPr lvl="1"/>
-            <a:r>
-              <a:rPr lang="en-US" dirty="0"/>
-              <a:t>RTI International (CRO)</a:t>
-            </a:r>
-          </a:p>
-        </p:txBody>
-      </p:sp>
-      <p:sp>
-        <p:nvSpPr>
-          <p:cNvPr id="5" name="Slide Number Placeholder 4">
-            <a:extLst>
-              <a:ext uri="{FF2B5EF4-FFF2-40B4-BE49-F238E27FC236}">
-                <a16:creationId xmlns:a16="http://schemas.microsoft.com/office/drawing/2014/main" id="{B28626CD-C148-415E-ABA3-F6280F8EF114}"/>
-              </a:ext>
-            </a:extLst>
-          </p:cNvPr>
-          <p:cNvSpPr>
-            <a:spLocks noGrp="1"/>
-          </p:cNvSpPr>
-          <p:nvPr>
-            <p:ph type="sldNum" sz="quarter" idx="11"/>
-          </p:nvPr>
-        </p:nvSpPr>
-        <p:spPr>
-          <a:xfrm>
-            <a:off x="8610600" y="6077585"/>
-            <a:ext cx="2743200" cy="365125"/>
-          </a:xfrm>
-        </p:spPr>
-        <p:txBody>
-          <a:bodyPr>
-            <a:normAutofit/>
-          </a:bodyPr>
-          <a:lstStyle/>
-          <a:p>
-            <a:pPr>
-              <a:spcAft>
-                <a:spcPts val="600"/>
-              </a:spcAft>
-            </a:pPr>
-            <a:fld id="{47547CF9-5B10-D24F-A8D7-45A9778164F7}" type="slidenum">
-              <a:rPr lang="uk-UA">
-                <a:solidFill>
-                  <a:schemeClr val="tx1">
-                    <a:lumMod val="75000"/>
-                    <a:lumOff val="25000"/>
-                  </a:schemeClr>
-                </a:solidFill>
-              </a:rPr>
-              <a:pPr>
-                <a:spcAft>
-                  <a:spcPts val="600"/>
-                </a:spcAft>
-              </a:pPr>
-              <a:t>3</a:t>
-            </a:fld>
-            <a:endParaRPr lang="uk-UA">
-              <a:solidFill>
-                <a:schemeClr val="tx1">
-                  <a:lumMod val="75000"/>
-                  <a:lumOff val="25000"/>
-                </a:schemeClr>
-              </a:solidFill>
-            </a:endParaRPr>
-          </a:p>
-        </p:txBody>
-      </p:sp>
-    </p:spTree>
-    <p:extLst>
-      <p:ext uri="{BB962C8B-B14F-4D97-AF65-F5344CB8AC3E}">
-        <p14:creationId xmlns:p14="http://schemas.microsoft.com/office/powerpoint/2010/main" val="484642357"/>
-      </p:ext>
-    </p:extLst>
-  </p:cSld>
-  <p:clrMapOvr>
-    <a:masterClrMapping/>
-  </p:clrMapOvr>
-</p:sld>
-</file>
-
-<file path=ppt/slides/slide30.xml><?xml version="1.0" encoding="utf-8"?>
+<file path=ppt/slides/slide31.xml><?xml version="1.0" encoding="utf-8"?>
 <p:sld xmlns:a="http://schemas.openxmlformats.org/drawingml/2006/main" xmlns:r="http://schemas.openxmlformats.org/officeDocument/2006/relationships" xmlns:p="http://schemas.openxmlformats.org/presentationml/2006/main">
   <p:cSld>
     <p:spTree>
@@ -35733,7 +37639,7 @@
 </p:sld>
 </file>
 
-<file path=ppt/slides/slide31.xml><?xml version="1.0" encoding="utf-8"?>
+<file path=ppt/slides/slide32.xml><?xml version="1.0" encoding="utf-8"?>
 <p:sld xmlns:a="http://schemas.openxmlformats.org/drawingml/2006/main" xmlns:r="http://schemas.openxmlformats.org/officeDocument/2006/relationships" xmlns:p="http://schemas.openxmlformats.org/presentationml/2006/main">
   <p:cSld>
     <p:spTree>
@@ -35845,31 +37751,6 @@
       </p:sp>
       <p:sp>
         <p:nvSpPr>
-          <p:cNvPr id="4" name="Footer Placeholder 3">
-            <a:extLst>
-              <a:ext uri="{FF2B5EF4-FFF2-40B4-BE49-F238E27FC236}">
-                <a16:creationId xmlns:a16="http://schemas.microsoft.com/office/drawing/2014/main" id="{CAB5E0A0-4BCB-4EF9-A7D7-DD0103839427}"/>
-              </a:ext>
-            </a:extLst>
-          </p:cNvPr>
-          <p:cNvSpPr>
-            <a:spLocks noGrp="1"/>
-          </p:cNvSpPr>
-          <p:nvPr>
-            <p:ph type="ftr" sz="quarter" idx="10"/>
-          </p:nvPr>
-        </p:nvSpPr>
-        <p:spPr/>
-        <p:txBody>
-          <a:bodyPr/>
-          <a:lstStyle/>
-          <a:p>
-            <a:endParaRPr lang="en-US" dirty="0"/>
-          </a:p>
-        </p:txBody>
-      </p:sp>
-      <p:sp>
-        <p:nvSpPr>
           <p:cNvPr id="5" name="Slide Number Placeholder 4">
             <a:extLst>
               <a:ext uri="{FF2B5EF4-FFF2-40B4-BE49-F238E27FC236}">
@@ -35892,7 +37773,7 @@
             <a:fld id="{47547CF9-5B10-D24F-A8D7-45A9778164F7}" type="slidenum">
               <a:rPr lang="uk-UA" smtClean="0"/>
               <a:pPr/>
-              <a:t>31</a:t>
+              <a:t>32</a:t>
             </a:fld>
             <a:endParaRPr lang="uk-UA" dirty="0"/>
           </a:p>
@@ -35911,7 +37792,7 @@
 </p:sld>
 </file>
 
-<file path=ppt/slides/slide32.xml><?xml version="1.0" encoding="utf-8"?>
+<file path=ppt/slides/slide33.xml><?xml version="1.0" encoding="utf-8"?>
 <p:sld xmlns:a="http://schemas.openxmlformats.org/drawingml/2006/main" xmlns:r="http://schemas.openxmlformats.org/officeDocument/2006/relationships" xmlns:p="http://schemas.openxmlformats.org/presentationml/2006/main">
   <p:cSld>
     <p:spTree>
@@ -35977,35 +37858,28 @@
           <a:bodyPr/>
           <a:lstStyle/>
           <a:p>
+            <a:pPr marL="0" indent="0">
+              <a:buNone/>
+            </a:pPr>
             <a:r>
               <a:rPr lang="en-US" dirty="0"/>
-              <a:t>If you are behind a corporate firewall, you may need to configure Node.js to utilize your proxy server</a:t>
+              <a:t>If you are behind a corporate firewall, you may need to configure Node.js to utilize your proxy server.  Here is a helpful article:</a:t>
             </a:r>
           </a:p>
-        </p:txBody>
-      </p:sp>
-      <p:sp>
-        <p:nvSpPr>
-          <p:cNvPr id="4" name="Footer Placeholder 3">
-            <a:extLst>
-              <a:ext uri="{FF2B5EF4-FFF2-40B4-BE49-F238E27FC236}">
-                <a16:creationId xmlns:a16="http://schemas.microsoft.com/office/drawing/2014/main" id="{66699BB1-7F11-4F94-BC85-9899875BFE64}"/>
-              </a:ext>
-            </a:extLst>
-          </p:cNvPr>
-          <p:cNvSpPr>
-            <a:spLocks noGrp="1"/>
-          </p:cNvSpPr>
-          <p:nvPr>
-            <p:ph type="ftr" sz="quarter" idx="10"/>
-          </p:nvPr>
-        </p:nvSpPr>
-        <p:spPr/>
-        <p:txBody>
-          <a:bodyPr/>
-          <a:lstStyle/>
           <a:p>
+            <a:pPr marL="0" indent="0">
+              <a:buNone/>
+            </a:pPr>
             <a:endParaRPr lang="en-US" dirty="0"/>
+          </a:p>
+          <a:p>
+            <a:pPr marL="0" indent="0">
+              <a:buNone/>
+            </a:pPr>
+            <a:r>
+              <a:rPr lang="en-US" dirty="0"/>
+              <a:t>https://medium.com/@ogbemudiatimothy/using-npm-install-behind-a-corporate-proxy-server-db150c128899</a:t>
+            </a:r>
           </a:p>
         </p:txBody>
       </p:sp>
@@ -36033,7 +37907,7 @@
             <a:fld id="{47547CF9-5B10-D24F-A8D7-45A9778164F7}" type="slidenum">
               <a:rPr lang="uk-UA" smtClean="0"/>
               <a:pPr/>
-              <a:t>32</a:t>
+              <a:t>33</a:t>
             </a:fld>
             <a:endParaRPr lang="uk-UA" dirty="0"/>
           </a:p>
@@ -36784,7 +38658,7 @@
             <p:ph idx="1"/>
             <p:extLst>
               <p:ext uri="{D42A27DB-BD31-4B8C-83A1-F6EECF244321}">
-                <p14:modId xmlns:p14="http://schemas.microsoft.com/office/powerpoint/2010/main" val="822631435"/>
+                <p14:modId xmlns:p14="http://schemas.microsoft.com/office/powerpoint/2010/main" val="1115836477"/>
               </p:ext>
             </p:extLst>
           </p:nvPr>
@@ -37472,7 +39346,7 @@
           <a:p>
             <a:r>
               <a:rPr lang="en-US" dirty="0"/>
-              <a:t>R functions generate code the browser can understand</a:t>
+              <a:t>R UI functions generate code the browser can understand</a:t>
             </a:r>
           </a:p>
         </p:txBody>
